--- a/宣道詩/(宣道詩40)各各他山豎十架.pptx
+++ b/宣道詩/(宣道詩40)各各他山豎十架.pptx
@@ -13,8 +13,17 @@
     <p:sldId id="261" r:id="rId7"/>
     <p:sldId id="262" r:id="rId8"/>
     <p:sldId id="263" r:id="rId9"/>
+    <p:sldId id="264" r:id="rId10"/>
+    <p:sldId id="265" r:id="rId11"/>
+    <p:sldId id="266" r:id="rId12"/>
+    <p:sldId id="267" r:id="rId13"/>
+    <p:sldId id="268" r:id="rId14"/>
+    <p:sldId id="269" r:id="rId15"/>
+    <p:sldId id="270" r:id="rId16"/>
+    <p:sldId id="271" r:id="rId17"/>
+    <p:sldId id="272" r:id="rId18"/>
   </p:sldIdLst>
-  <p:sldSz cx="9144000" cy="6858000" type="screen4x3"/>
+  <p:sldSz cx="12192000" cy="6858000"/>
   <p:notesSz cx="6858000" cy="9144000"/>
   <p:defaultTextStyle>
     <a:defPPr>
@@ -111,6 +120,22 @@
       </a:defRPr>
     </a:lvl9pPr>
   </p:defaultTextStyle>
+  <p:extLst>
+    <p:ext uri="{EFAFB233-063F-42B5-8137-9DF3F51BA10A}">
+      <p15:sldGuideLst xmlns:p15="http://schemas.microsoft.com/office/powerpoint/2012/main">
+        <p15:guide id="1" orient="horz" pos="2160" userDrawn="1">
+          <p15:clr>
+            <a:srgbClr val="A4A3A4"/>
+          </p15:clr>
+        </p15:guide>
+        <p15:guide id="2" pos="3840" userDrawn="1">
+          <p15:clr>
+            <a:srgbClr val="A4A3A4"/>
+          </p15:clr>
+        </p15:guide>
+      </p15:sldGuideLst>
+    </p:ext>
+  </p:extLst>
 </p:presentation>
 </file>
 
@@ -143,8 +168,8 @@
         </p:nvSpPr>
         <p:spPr>
           <a:xfrm>
-            <a:off x="685800" y="2130425"/>
-            <a:ext cx="7772400" cy="1470025"/>
+            <a:off x="914400" y="2130426"/>
+            <a:ext cx="10363200" cy="1470025"/>
           </a:xfrm>
         </p:spPr>
         <p:txBody>
@@ -171,8 +196,8 @@
         </p:nvSpPr>
         <p:spPr>
           <a:xfrm>
-            <a:off x="1371600" y="3886200"/>
-            <a:ext cx="6400800" cy="1752600"/>
+            <a:off x="1828800" y="3886200"/>
+            <a:ext cx="8534400" cy="1752600"/>
           </a:xfrm>
         </p:spPr>
         <p:txBody>
@@ -295,7 +320,7 @@
           <a:p>
             <a:fld id="{FC6B26E2-2DC4-4A15-8B84-DD95CBAD147A}" type="datetimeFigureOut">
               <a:rPr lang="zh-TW" altLang="en-US" smtClean="0"/>
-              <a:t>2017/10/1</a:t>
+              <a:t>2022/4/1</a:t>
             </a:fld>
             <a:endParaRPr lang="zh-TW" altLang="en-US"/>
           </a:p>
@@ -460,7 +485,7 @@
           <a:p>
             <a:fld id="{FC6B26E2-2DC4-4A15-8B84-DD95CBAD147A}" type="datetimeFigureOut">
               <a:rPr lang="zh-TW" altLang="en-US" smtClean="0"/>
-              <a:t>2017/10/1</a:t>
+              <a:t>2022/4/1</a:t>
             </a:fld>
             <a:endParaRPr lang="zh-TW" altLang="en-US"/>
           </a:p>
@@ -545,8 +570,8 @@
         </p:nvSpPr>
         <p:spPr>
           <a:xfrm>
-            <a:off x="6629400" y="274638"/>
-            <a:ext cx="2057400" cy="5851525"/>
+            <a:off x="8839200" y="274639"/>
+            <a:ext cx="2743200" cy="5851525"/>
           </a:xfrm>
         </p:spPr>
         <p:txBody>
@@ -573,8 +598,8 @@
         </p:nvSpPr>
         <p:spPr>
           <a:xfrm>
-            <a:off x="457200" y="274638"/>
-            <a:ext cx="6019800" cy="5851525"/>
+            <a:off x="609600" y="274639"/>
+            <a:ext cx="8026400" cy="5851525"/>
           </a:xfrm>
         </p:spPr>
         <p:txBody>
@@ -635,7 +660,7 @@
           <a:p>
             <a:fld id="{FC6B26E2-2DC4-4A15-8B84-DD95CBAD147A}" type="datetimeFigureOut">
               <a:rPr lang="zh-TW" altLang="en-US" smtClean="0"/>
-              <a:t>2017/10/1</a:t>
+              <a:t>2022/4/1</a:t>
             </a:fld>
             <a:endParaRPr lang="zh-TW" altLang="en-US"/>
           </a:p>
@@ -800,7 +825,7 @@
           <a:p>
             <a:fld id="{FC6B26E2-2DC4-4A15-8B84-DD95CBAD147A}" type="datetimeFigureOut">
               <a:rPr lang="zh-TW" altLang="en-US" smtClean="0"/>
-              <a:t>2017/10/1</a:t>
+              <a:t>2022/4/1</a:t>
             </a:fld>
             <a:endParaRPr lang="zh-TW" altLang="en-US"/>
           </a:p>
@@ -885,8 +910,8 @@
         </p:nvSpPr>
         <p:spPr>
           <a:xfrm>
-            <a:off x="722313" y="4406900"/>
-            <a:ext cx="7772400" cy="1362075"/>
+            <a:off x="963084" y="4406901"/>
+            <a:ext cx="10363200" cy="1362075"/>
           </a:xfrm>
         </p:spPr>
         <p:txBody>
@@ -917,8 +942,8 @@
         </p:nvSpPr>
         <p:spPr>
           <a:xfrm>
-            <a:off x="722313" y="2906713"/>
-            <a:ext cx="7772400" cy="1500187"/>
+            <a:off x="963084" y="2906713"/>
+            <a:ext cx="10363200" cy="1500187"/>
           </a:xfrm>
         </p:spPr>
         <p:txBody>
@@ -1041,7 +1066,7 @@
           <a:p>
             <a:fld id="{FC6B26E2-2DC4-4A15-8B84-DD95CBAD147A}" type="datetimeFigureOut">
               <a:rPr lang="zh-TW" altLang="en-US" smtClean="0"/>
-              <a:t>2017/10/1</a:t>
+              <a:t>2022/4/1</a:t>
             </a:fld>
             <a:endParaRPr lang="zh-TW" altLang="en-US"/>
           </a:p>
@@ -1149,8 +1174,8 @@
         </p:nvSpPr>
         <p:spPr>
           <a:xfrm>
-            <a:off x="457200" y="1600200"/>
-            <a:ext cx="4038600" cy="4525963"/>
+            <a:off x="609600" y="1600201"/>
+            <a:ext cx="5384800" cy="4525963"/>
           </a:xfrm>
         </p:spPr>
         <p:txBody>
@@ -1234,8 +1259,8 @@
         </p:nvSpPr>
         <p:spPr>
           <a:xfrm>
-            <a:off x="4648200" y="1600200"/>
-            <a:ext cx="4038600" cy="4525963"/>
+            <a:off x="6197600" y="1600201"/>
+            <a:ext cx="5384800" cy="4525963"/>
           </a:xfrm>
         </p:spPr>
         <p:txBody>
@@ -1324,7 +1349,7 @@
           <a:p>
             <a:fld id="{FC6B26E2-2DC4-4A15-8B84-DD95CBAD147A}" type="datetimeFigureOut">
               <a:rPr lang="zh-TW" altLang="en-US" smtClean="0"/>
-              <a:t>2017/10/1</a:t>
+              <a:t>2022/4/1</a:t>
             </a:fld>
             <a:endParaRPr lang="zh-TW" altLang="en-US"/>
           </a:p>
@@ -1436,8 +1461,8 @@
         </p:nvSpPr>
         <p:spPr>
           <a:xfrm>
-            <a:off x="457200" y="1535113"/>
-            <a:ext cx="4040188" cy="639762"/>
+            <a:off x="609600" y="1535113"/>
+            <a:ext cx="5386917" cy="639762"/>
           </a:xfrm>
         </p:spPr>
         <p:txBody>
@@ -1501,8 +1526,8 @@
         </p:nvSpPr>
         <p:spPr>
           <a:xfrm>
-            <a:off x="457200" y="2174875"/>
-            <a:ext cx="4040188" cy="3951288"/>
+            <a:off x="609600" y="2174875"/>
+            <a:ext cx="5386917" cy="3951288"/>
           </a:xfrm>
         </p:spPr>
         <p:txBody>
@@ -1586,8 +1611,8 @@
         </p:nvSpPr>
         <p:spPr>
           <a:xfrm>
-            <a:off x="4645025" y="1535113"/>
-            <a:ext cx="4041775" cy="639762"/>
+            <a:off x="6193368" y="1535113"/>
+            <a:ext cx="5389033" cy="639762"/>
           </a:xfrm>
         </p:spPr>
         <p:txBody>
@@ -1651,8 +1676,8 @@
         </p:nvSpPr>
         <p:spPr>
           <a:xfrm>
-            <a:off x="4645025" y="2174875"/>
-            <a:ext cx="4041775" cy="3951288"/>
+            <a:off x="6193368" y="2174875"/>
+            <a:ext cx="5389033" cy="3951288"/>
           </a:xfrm>
         </p:spPr>
         <p:txBody>
@@ -1741,7 +1766,7 @@
           <a:p>
             <a:fld id="{FC6B26E2-2DC4-4A15-8B84-DD95CBAD147A}" type="datetimeFigureOut">
               <a:rPr lang="zh-TW" altLang="en-US" smtClean="0"/>
-              <a:t>2017/10/1</a:t>
+              <a:t>2022/4/1</a:t>
             </a:fld>
             <a:endParaRPr lang="zh-TW" altLang="en-US"/>
           </a:p>
@@ -1854,7 +1879,7 @@
           <a:p>
             <a:fld id="{FC6B26E2-2DC4-4A15-8B84-DD95CBAD147A}" type="datetimeFigureOut">
               <a:rPr lang="zh-TW" altLang="en-US" smtClean="0"/>
-              <a:t>2017/10/1</a:t>
+              <a:t>2022/4/1</a:t>
             </a:fld>
             <a:endParaRPr lang="zh-TW" altLang="en-US"/>
           </a:p>
@@ -1944,7 +1969,7 @@
           <a:p>
             <a:fld id="{FC6B26E2-2DC4-4A15-8B84-DD95CBAD147A}" type="datetimeFigureOut">
               <a:rPr lang="zh-TW" altLang="en-US" smtClean="0"/>
-              <a:t>2017/10/1</a:t>
+              <a:t>2022/4/1</a:t>
             </a:fld>
             <a:endParaRPr lang="zh-TW" altLang="en-US"/>
           </a:p>
@@ -2029,8 +2054,8 @@
         </p:nvSpPr>
         <p:spPr>
           <a:xfrm>
-            <a:off x="457200" y="273050"/>
-            <a:ext cx="3008313" cy="1162050"/>
+            <a:off x="609601" y="273050"/>
+            <a:ext cx="4011084" cy="1162050"/>
           </a:xfrm>
         </p:spPr>
         <p:txBody>
@@ -2061,8 +2086,8 @@
         </p:nvSpPr>
         <p:spPr>
           <a:xfrm>
-            <a:off x="3575050" y="273050"/>
-            <a:ext cx="5111750" cy="5853113"/>
+            <a:off x="4766733" y="273051"/>
+            <a:ext cx="6815667" cy="5853113"/>
           </a:xfrm>
         </p:spPr>
         <p:txBody>
@@ -2146,8 +2171,8 @@
         </p:nvSpPr>
         <p:spPr>
           <a:xfrm>
-            <a:off x="457200" y="1435100"/>
-            <a:ext cx="3008313" cy="4691063"/>
+            <a:off x="609601" y="1435101"/>
+            <a:ext cx="4011084" cy="4691063"/>
           </a:xfrm>
         </p:spPr>
         <p:txBody>
@@ -2216,7 +2241,7 @@
           <a:p>
             <a:fld id="{FC6B26E2-2DC4-4A15-8B84-DD95CBAD147A}" type="datetimeFigureOut">
               <a:rPr lang="zh-TW" altLang="en-US" smtClean="0"/>
-              <a:t>2017/10/1</a:t>
+              <a:t>2022/4/1</a:t>
             </a:fld>
             <a:endParaRPr lang="zh-TW" altLang="en-US"/>
           </a:p>
@@ -2301,8 +2326,8 @@
         </p:nvSpPr>
         <p:spPr>
           <a:xfrm>
-            <a:off x="1792288" y="4800600"/>
-            <a:ext cx="5486400" cy="566738"/>
+            <a:off x="2389717" y="4800600"/>
+            <a:ext cx="7315200" cy="566738"/>
           </a:xfrm>
         </p:spPr>
         <p:txBody>
@@ -2333,8 +2358,8 @@
         </p:nvSpPr>
         <p:spPr>
           <a:xfrm>
-            <a:off x="1792288" y="612775"/>
-            <a:ext cx="5486400" cy="4114800"/>
+            <a:off x="2389717" y="612775"/>
+            <a:ext cx="7315200" cy="4114800"/>
           </a:xfrm>
         </p:spPr>
         <p:txBody>
@@ -2398,8 +2423,8 @@
         </p:nvSpPr>
         <p:spPr>
           <a:xfrm>
-            <a:off x="1792288" y="5367338"/>
-            <a:ext cx="5486400" cy="804862"/>
+            <a:off x="2389717" y="5367338"/>
+            <a:ext cx="7315200" cy="804862"/>
           </a:xfrm>
         </p:spPr>
         <p:txBody>
@@ -2468,7 +2493,7 @@
           <a:p>
             <a:fld id="{FC6B26E2-2DC4-4A15-8B84-DD95CBAD147A}" type="datetimeFigureOut">
               <a:rPr lang="zh-TW" altLang="en-US" smtClean="0"/>
-              <a:t>2017/10/1</a:t>
+              <a:t>2022/4/1</a:t>
             </a:fld>
             <a:endParaRPr lang="zh-TW" altLang="en-US"/>
           </a:p>
@@ -2563,8 +2588,8 @@
         </p:nvSpPr>
         <p:spPr>
           <a:xfrm>
-            <a:off x="457200" y="274638"/>
-            <a:ext cx="8229600" cy="1143000"/>
+            <a:off x="609600" y="274638"/>
+            <a:ext cx="10972800" cy="1143000"/>
           </a:xfrm>
           <a:prstGeom prst="rect">
             <a:avLst/>
@@ -2596,8 +2621,8 @@
         </p:nvSpPr>
         <p:spPr>
           <a:xfrm>
-            <a:off x="457200" y="1600200"/>
-            <a:ext cx="8229600" cy="4525963"/>
+            <a:off x="609600" y="1600201"/>
+            <a:ext cx="10972800" cy="4525963"/>
           </a:xfrm>
           <a:prstGeom prst="rect">
             <a:avLst/>
@@ -2658,8 +2683,8 @@
         </p:nvSpPr>
         <p:spPr>
           <a:xfrm>
-            <a:off x="457200" y="6356350"/>
-            <a:ext cx="2133600" cy="365125"/>
+            <a:off x="609600" y="6356351"/>
+            <a:ext cx="2844800" cy="365125"/>
           </a:xfrm>
           <a:prstGeom prst="rect">
             <a:avLst/>
@@ -2681,7 +2706,7 @@
           <a:p>
             <a:fld id="{FC6B26E2-2DC4-4A15-8B84-DD95CBAD147A}" type="datetimeFigureOut">
               <a:rPr lang="zh-TW" altLang="en-US" smtClean="0"/>
-              <a:t>2017/10/1</a:t>
+              <a:t>2022/4/1</a:t>
             </a:fld>
             <a:endParaRPr lang="zh-TW" altLang="en-US"/>
           </a:p>
@@ -2699,8 +2724,8 @@
         </p:nvSpPr>
         <p:spPr>
           <a:xfrm>
-            <a:off x="3124200" y="6356350"/>
-            <a:ext cx="2895600" cy="365125"/>
+            <a:off x="4165600" y="6356351"/>
+            <a:ext cx="3860800" cy="365125"/>
           </a:xfrm>
           <a:prstGeom prst="rect">
             <a:avLst/>
@@ -2736,8 +2761,8 @@
         </p:nvSpPr>
         <p:spPr>
           <a:xfrm>
-            <a:off x="6553200" y="6356350"/>
-            <a:ext cx="2133600" cy="365125"/>
+            <a:off x="8737600" y="6356351"/>
+            <a:ext cx="2844800" cy="365125"/>
           </a:xfrm>
           <a:prstGeom prst="rect">
             <a:avLst/>
@@ -3061,202 +3086,1187 @@
             <p:ph type="title"/>
           </p:nvPr>
         </p:nvSpPr>
-        <p:spPr/>
-        <p:txBody>
-          <a:bodyPr/>
-          <a:lstStyle/>
-          <a:p>
-            <a:r>
-              <a:rPr lang="zh-TW" altLang="en-US" b="1" dirty="0" smtClean="0">
+        <p:spPr>
+          <a:xfrm>
+            <a:off x="0" y="2660915"/>
+            <a:ext cx="12192000" cy="1143000"/>
+          </a:xfrm>
+        </p:spPr>
+        <p:txBody>
+          <a:bodyPr>
+            <a:noAutofit/>
+          </a:bodyPr>
+          <a:lstStyle/>
+          <a:p>
+            <a:r>
+              <a:rPr lang="zh-CN" altLang="en-US" sz="5333" b="1" u="sng" dirty="0">
                 <a:solidFill>
                   <a:srgbClr val="000066"/>
                 </a:solidFill>
+                <a:effectLst>
+                  <a:outerShdw blurRad="38100" dist="38100" dir="2700000" algn="tl">
+                    <a:srgbClr val="000000">
+                      <a:alpha val="43137"/>
+                    </a:srgbClr>
+                  </a:outerShdw>
+                </a:effectLst>
                 <a:latin typeface="微軟正黑體" pitchFamily="34" charset="-120"/>
                 <a:ea typeface="微軟正黑體" pitchFamily="34" charset="-120"/>
               </a:rPr>
-              <a:t>各各他山豎十架</a:t>
-            </a:r>
-            <a:endParaRPr lang="zh-TW" altLang="en-US" dirty="0">
-              <a:solidFill>
-                <a:srgbClr val="000066"/>
-              </a:solidFill>
-              <a:latin typeface="微軟正黑體" pitchFamily="34" charset="-120"/>
-              <a:ea typeface="微軟正黑體" pitchFamily="34" charset="-120"/>
-            </a:endParaRPr>
-          </a:p>
-        </p:txBody>
-      </p:sp>
-      <p:sp>
-        <p:nvSpPr>
-          <p:cNvPr id="5" name="內容版面配置區 4"/>
-          <p:cNvSpPr>
-            <a:spLocks noGrp="1"/>
-          </p:cNvSpPr>
-          <p:nvPr>
-            <p:ph idx="1"/>
-          </p:nvPr>
-        </p:nvSpPr>
-        <p:spPr/>
-        <p:txBody>
-          <a:bodyPr>
-            <a:normAutofit/>
-          </a:bodyPr>
-          <a:lstStyle/>
-          <a:p>
-            <a:pPr algn="ctr">
-              <a:buNone/>
-            </a:pPr>
-            <a:r>
-              <a:rPr lang="zh-TW" altLang="en-US" sz="5400" b="1" dirty="0" smtClean="0">
+              <a:t>宣道詩 </a:t>
+            </a:r>
+            <a:r>
+              <a:rPr lang="en-US" altLang="zh-CN" sz="5333" b="1" u="sng" dirty="0">
                 <a:solidFill>
                   <a:srgbClr val="000066"/>
                 </a:solidFill>
+                <a:effectLst>
+                  <a:outerShdw blurRad="38100" dist="38100" dir="2700000" algn="tl">
+                    <a:srgbClr val="000000">
+                      <a:alpha val="43137"/>
+                    </a:srgbClr>
+                  </a:outerShdw>
+                </a:effectLst>
                 <a:latin typeface="微軟正黑體" pitchFamily="34" charset="-120"/>
                 <a:ea typeface="微軟正黑體" pitchFamily="34" charset="-120"/>
               </a:rPr>
-              <a:t>在各各他我見十</a:t>
-            </a:r>
-            <a:r>
-              <a:rPr lang="zh-TW" altLang="en-US" sz="5400" b="1" dirty="0" smtClean="0">
-                <a:solidFill>
-                  <a:srgbClr val="000066"/>
-                </a:solidFill>
+              <a:t>40</a:t>
+            </a:r>
+            <a:r>
+              <a:rPr lang="en-US" altLang="zh-CN" sz="7200" b="1" i="1" dirty="0">
+                <a:solidFill>
+                  <a:srgbClr val="660033"/>
+                </a:solidFill>
+                <a:effectLst>
+                  <a:outerShdw blurRad="38100" dist="38100" dir="2700000" algn="tl">
+                    <a:srgbClr val="000000">
+                      <a:alpha val="43137"/>
+                    </a:srgbClr>
+                  </a:outerShdw>
+                </a:effectLst>
+                <a:latin typeface="微軟正黑體" pitchFamily="34" charset="-120"/>
+                <a:ea typeface="微軟正黑體" pitchFamily="34" charset="-120"/>
+              </a:rPr>
+              <a:t/>
+            </a:r>
+            <a:br>
+              <a:rPr lang="en-US" altLang="zh-CN" sz="7200" b="1" i="1" dirty="0">
+                <a:solidFill>
+                  <a:srgbClr val="660033"/>
+                </a:solidFill>
+                <a:effectLst>
+                  <a:outerShdw blurRad="38100" dist="38100" dir="2700000" algn="tl">
+                    <a:srgbClr val="000000">
+                      <a:alpha val="43137"/>
+                    </a:srgbClr>
+                  </a:outerShdw>
+                </a:effectLst>
+                <a:latin typeface="微軟正黑體" pitchFamily="34" charset="-120"/>
+                <a:ea typeface="微軟正黑體" pitchFamily="34" charset="-120"/>
+              </a:rPr>
+            </a:br>
+            <a:r>
+              <a:rPr lang="zh-TW" altLang="en-US" sz="8000" b="1" dirty="0">
+                <a:solidFill>
+                  <a:srgbClr val="660033"/>
+                </a:solidFill>
+                <a:effectLst>
+                  <a:outerShdw blurRad="38100" dist="38100" dir="2700000" algn="tl">
+                    <a:srgbClr val="000000">
+                      <a:alpha val="43137"/>
+                    </a:srgbClr>
+                  </a:outerShdw>
+                </a:effectLst>
+                <a:latin typeface="微軟正黑體" pitchFamily="34" charset="-120"/>
+                <a:ea typeface="微軟正黑體" pitchFamily="34" charset="-120"/>
+              </a:rPr>
+              <a:t>各</a:t>
+            </a:r>
+            <a:r>
+              <a:rPr lang="zh-TW" altLang="en-US" sz="8000" b="1" dirty="0">
+                <a:solidFill>
+                  <a:srgbClr val="660033"/>
+                </a:solidFill>
+                <a:effectLst>
+                  <a:outerShdw blurRad="38100" dist="38100" dir="2700000" algn="tl">
+                    <a:srgbClr val="000000">
+                      <a:alpha val="43137"/>
+                    </a:srgbClr>
+                  </a:outerShdw>
+                </a:effectLst>
+                <a:latin typeface="微軟正黑體" pitchFamily="34" charset="-120"/>
+                <a:ea typeface="微軟正黑體" pitchFamily="34" charset="-120"/>
+              </a:rPr>
+              <a:t>各他</a:t>
+            </a:r>
+            <a:r>
+              <a:rPr lang="zh-TW" altLang="en-US" sz="8000" b="1" dirty="0">
+                <a:solidFill>
+                  <a:srgbClr val="660033"/>
+                </a:solidFill>
+                <a:effectLst>
+                  <a:outerShdw blurRad="38100" dist="38100" dir="2700000" algn="tl">
+                    <a:srgbClr val="000000">
+                      <a:alpha val="43137"/>
+                    </a:srgbClr>
+                  </a:outerShdw>
+                </a:effectLst>
+                <a:latin typeface="微軟正黑體" pitchFamily="34" charset="-120"/>
+                <a:ea typeface="微軟正黑體" pitchFamily="34" charset="-120"/>
+              </a:rPr>
+              <a:t>山</a:t>
+            </a:r>
+            <a:r>
+              <a:rPr lang="zh-CN" altLang="en-US" sz="8000" b="1" dirty="0">
+                <a:solidFill>
+                  <a:srgbClr val="660033"/>
+                </a:solidFill>
+                <a:effectLst>
+                  <a:outerShdw blurRad="38100" dist="38100" dir="2700000" algn="tl">
+                    <a:srgbClr val="000000">
+                      <a:alpha val="43137"/>
+                    </a:srgbClr>
+                  </a:outerShdw>
+                </a:effectLst>
+                <a:latin typeface="微軟正黑體" pitchFamily="34" charset="-120"/>
+                <a:ea typeface="微軟正黑體" pitchFamily="34" charset="-120"/>
+              </a:rPr>
+              <a:t>竪立</a:t>
+            </a:r>
+            <a:r>
+              <a:rPr lang="zh-TW" altLang="en-US" sz="8000" b="1" dirty="0">
+                <a:solidFill>
+                  <a:srgbClr val="660033"/>
+                </a:solidFill>
+                <a:effectLst>
+                  <a:outerShdw blurRad="38100" dist="38100" dir="2700000" algn="tl">
+                    <a:srgbClr val="000000">
+                      <a:alpha val="43137"/>
+                    </a:srgbClr>
+                  </a:outerShdw>
+                </a:effectLst>
+                <a:latin typeface="微軟正黑體" pitchFamily="34" charset="-120"/>
+                <a:ea typeface="微軟正黑體" pitchFamily="34" charset="-120"/>
+              </a:rPr>
+              <a:t>十</a:t>
+            </a:r>
+            <a:r>
+              <a:rPr lang="zh-TW" altLang="en-US" sz="8000" b="1" dirty="0">
+                <a:solidFill>
+                  <a:srgbClr val="660033"/>
+                </a:solidFill>
+                <a:effectLst>
+                  <a:outerShdw blurRad="38100" dist="38100" dir="2700000" algn="tl">
+                    <a:srgbClr val="000000">
+                      <a:alpha val="43137"/>
+                    </a:srgbClr>
+                  </a:outerShdw>
+                </a:effectLst>
                 <a:latin typeface="微軟正黑體" pitchFamily="34" charset="-120"/>
                 <a:ea typeface="微軟正黑體" pitchFamily="34" charset="-120"/>
               </a:rPr>
               <a:t>架</a:t>
             </a:r>
-            <a:endParaRPr lang="en-US" altLang="zh-TW" sz="5400" b="1" dirty="0" smtClean="0">
-              <a:solidFill>
-                <a:srgbClr val="000066"/>
-              </a:solidFill>
-              <a:latin typeface="微軟正黑體" pitchFamily="34" charset="-120"/>
-              <a:ea typeface="微軟正黑體" pitchFamily="34" charset="-120"/>
-            </a:endParaRPr>
-          </a:p>
-          <a:p>
-            <a:pPr algn="ctr">
-              <a:buNone/>
-            </a:pPr>
-            <a:r>
-              <a:rPr lang="zh-TW" altLang="en-US" sz="5400" b="1" dirty="0" smtClean="0">
-                <a:solidFill>
-                  <a:srgbClr val="000066"/>
-                </a:solidFill>
-                <a:latin typeface="微軟正黑體" pitchFamily="34" charset="-120"/>
-                <a:ea typeface="微軟正黑體" pitchFamily="34" charset="-120"/>
-              </a:rPr>
-              <a:t>有</a:t>
-            </a:r>
-            <a:r>
-              <a:rPr lang="zh-TW" altLang="en-US" sz="5400" b="1" dirty="0" smtClean="0">
-                <a:solidFill>
-                  <a:srgbClr val="000066"/>
-                </a:solidFill>
-                <a:latin typeface="微軟正黑體" pitchFamily="34" charset="-120"/>
-                <a:ea typeface="微軟正黑體" pitchFamily="34" charset="-120"/>
-              </a:rPr>
-              <a:t>一位釘身</a:t>
-            </a:r>
-            <a:r>
-              <a:rPr lang="zh-TW" altLang="en-US" sz="5400" b="1" dirty="0" smtClean="0">
-                <a:solidFill>
-                  <a:srgbClr val="000066"/>
-                </a:solidFill>
-                <a:latin typeface="微軟正黑體" pitchFamily="34" charset="-120"/>
-                <a:ea typeface="微軟正黑體" pitchFamily="34" charset="-120"/>
-              </a:rPr>
-              <a:t>死</a:t>
-            </a:r>
-            <a:endParaRPr lang="en-US" altLang="zh-TW" sz="5400" b="1" dirty="0" smtClean="0">
-              <a:solidFill>
-                <a:srgbClr val="000066"/>
-              </a:solidFill>
-              <a:latin typeface="微軟正黑體" pitchFamily="34" charset="-120"/>
-              <a:ea typeface="微軟正黑體" pitchFamily="34" charset="-120"/>
-            </a:endParaRPr>
-          </a:p>
-          <a:p>
-            <a:pPr algn="ctr">
-              <a:buNone/>
-            </a:pPr>
-            <a:r>
-              <a:rPr lang="zh-TW" altLang="en-US" sz="5400" b="1" dirty="0" smtClean="0">
-                <a:solidFill>
-                  <a:srgbClr val="000066"/>
-                </a:solidFill>
-                <a:latin typeface="微軟正黑體" pitchFamily="34" charset="-120"/>
-                <a:ea typeface="微軟正黑體" pitchFamily="34" charset="-120"/>
-              </a:rPr>
-              <a:t>擔當</a:t>
-            </a:r>
-            <a:r>
-              <a:rPr lang="zh-TW" altLang="en-US" sz="5400" b="1" dirty="0" smtClean="0">
-                <a:solidFill>
-                  <a:srgbClr val="000066"/>
-                </a:solidFill>
-                <a:latin typeface="微軟正黑體" pitchFamily="34" charset="-120"/>
-                <a:ea typeface="微軟正黑體" pitchFamily="34" charset="-120"/>
-              </a:rPr>
-              <a:t>萬人罪惡</a:t>
-            </a:r>
-            <a:r>
-              <a:rPr lang="zh-TW" altLang="en-US" sz="5400" b="1" dirty="0" smtClean="0">
-                <a:solidFill>
-                  <a:srgbClr val="000066"/>
-                </a:solidFill>
-                <a:latin typeface="微軟正黑體" pitchFamily="34" charset="-120"/>
-                <a:ea typeface="微軟正黑體" pitchFamily="34" charset="-120"/>
-              </a:rPr>
-              <a:t>報應</a:t>
-            </a:r>
-            <a:endParaRPr lang="en-US" altLang="zh-TW" sz="5400" b="1" dirty="0" smtClean="0">
-              <a:solidFill>
-                <a:srgbClr val="000066"/>
-              </a:solidFill>
-              <a:latin typeface="微軟正黑體" pitchFamily="34" charset="-120"/>
-              <a:ea typeface="微軟正黑體" pitchFamily="34" charset="-120"/>
-            </a:endParaRPr>
-          </a:p>
-          <a:p>
-            <a:pPr algn="ctr">
-              <a:buNone/>
-            </a:pPr>
-            <a:r>
-              <a:rPr lang="zh-TW" altLang="en-US" sz="5400" b="1" dirty="0" smtClean="0">
-                <a:solidFill>
-                  <a:srgbClr val="000066"/>
-                </a:solidFill>
-                <a:latin typeface="微軟正黑體" pitchFamily="34" charset="-120"/>
-                <a:ea typeface="微軟正黑體" pitchFamily="34" charset="-120"/>
-              </a:rPr>
-              <a:t>即</a:t>
-            </a:r>
-            <a:r>
-              <a:rPr lang="zh-TW" altLang="en-US" sz="5400" b="1" dirty="0" smtClean="0">
-                <a:solidFill>
-                  <a:srgbClr val="000066"/>
-                </a:solidFill>
-                <a:latin typeface="微軟正黑體" pitchFamily="34" charset="-120"/>
-                <a:ea typeface="微軟正黑體" pitchFamily="34" charset="-120"/>
-              </a:rPr>
-              <a:t>神獨生之子</a:t>
-            </a:r>
-            <a:endParaRPr lang="zh-TW" altLang="en-US" sz="5400" dirty="0">
-              <a:solidFill>
-                <a:srgbClr val="000066"/>
-              </a:solidFill>
-              <a:latin typeface="微軟正黑體" pitchFamily="34" charset="-120"/>
-              <a:ea typeface="微軟正黑體" pitchFamily="34" charset="-120"/>
-            </a:endParaRPr>
           </a:p>
         </p:txBody>
       </p:sp>
     </p:spTree>
+    <p:extLst>
+      <p:ext uri="{BB962C8B-B14F-4D97-AF65-F5344CB8AC3E}">
+        <p14:creationId xmlns:p14="http://schemas.microsoft.com/office/powerpoint/2010/main" val="4194494726"/>
+      </p:ext>
+    </p:extLst>
   </p:cSld>
   <p:clrMapOvr>
     <a:masterClrMapping/>
   </p:clrMapOvr>
+  <p:timing>
+    <p:tnLst>
+      <p:par>
+        <p:cTn id="1" dur="indefinite" restart="never" nodeType="tmRoot"/>
+      </p:par>
+    </p:tnLst>
+  </p:timing>
+</p:sld>
+</file>
+
+<file path=ppt/slides/slide10.xml><?xml version="1.0" encoding="utf-8"?>
+<p:sld xmlns:a="http://schemas.openxmlformats.org/drawingml/2006/main" xmlns:r="http://schemas.openxmlformats.org/officeDocument/2006/relationships" xmlns:p="http://schemas.openxmlformats.org/presentationml/2006/main">
+  <p:cSld>
+    <p:spTree>
+      <p:nvGrpSpPr>
+        <p:cNvPr id="1" name=""/>
+        <p:cNvGrpSpPr/>
+        <p:nvPr/>
+      </p:nvGrpSpPr>
+      <p:grpSpPr>
+        <a:xfrm>
+          <a:off x="0" y="0"/>
+          <a:ext cx="0" cy="0"/>
+          <a:chOff x="0" y="0"/>
+          <a:chExt cx="0" cy="0"/>
+        </a:xfrm>
+      </p:grpSpPr>
+      <p:sp>
+        <p:nvSpPr>
+          <p:cNvPr id="5" name="內容版面配置區 4"/>
+          <p:cNvSpPr>
+            <a:spLocks noGrp="1"/>
+          </p:cNvSpPr>
+          <p:nvPr>
+            <p:ph idx="1"/>
+          </p:nvPr>
+        </p:nvSpPr>
+        <p:spPr>
+          <a:xfrm>
+            <a:off x="0" y="2084851"/>
+            <a:ext cx="12192000" cy="2404863"/>
+          </a:xfrm>
+        </p:spPr>
+        <p:txBody>
+          <a:bodyPr anchor="ctr">
+            <a:normAutofit/>
+          </a:bodyPr>
+          <a:lstStyle/>
+          <a:p>
+            <a:pPr algn="ctr">
+              <a:buNone/>
+            </a:pPr>
+            <a:r>
+              <a:rPr lang="zh-TW" altLang="en-US" sz="6400" b="1" dirty="0">
+                <a:solidFill>
+                  <a:srgbClr val="660033"/>
+                </a:solidFill>
+                <a:latin typeface="Microsoft JhengHei" pitchFamily="34" charset="-120"/>
+                <a:ea typeface="Microsoft JhengHei" pitchFamily="34" charset="-120"/>
+              </a:rPr>
+              <a:t>萬人罪堆積主身上</a:t>
+            </a:r>
+            <a:endParaRPr lang="en-US" altLang="zh-TW" sz="6400" b="1" dirty="0">
+              <a:solidFill>
+                <a:srgbClr val="660033"/>
+              </a:solidFill>
+              <a:latin typeface="Microsoft JhengHei" pitchFamily="34" charset="-120"/>
+              <a:ea typeface="Microsoft JhengHei" pitchFamily="34" charset="-120"/>
+            </a:endParaRPr>
+          </a:p>
+          <a:p>
+            <a:pPr algn="ctr">
+              <a:buNone/>
+            </a:pPr>
+            <a:r>
+              <a:rPr lang="zh-TW" altLang="en-US" sz="6400" b="1" dirty="0">
+                <a:solidFill>
+                  <a:srgbClr val="660033"/>
+                </a:solidFill>
+                <a:latin typeface="Microsoft JhengHei" pitchFamily="34" charset="-120"/>
+                <a:ea typeface="Microsoft JhengHei" pitchFamily="34" charset="-120"/>
+              </a:rPr>
+              <a:t>主甘願代擔當</a:t>
+            </a:r>
+            <a:endParaRPr lang="en-US" altLang="zh-TW" sz="6400" b="1" dirty="0">
+              <a:solidFill>
+                <a:srgbClr val="660033"/>
+              </a:solidFill>
+              <a:latin typeface="Microsoft JhengHei" pitchFamily="34" charset="-120"/>
+              <a:ea typeface="Microsoft JhengHei" pitchFamily="34" charset="-120"/>
+            </a:endParaRPr>
+          </a:p>
+        </p:txBody>
+      </p:sp>
+      <p:sp>
+        <p:nvSpPr>
+          <p:cNvPr id="3" name="TextBox 2"/>
+          <p:cNvSpPr txBox="1"/>
+          <p:nvPr/>
+        </p:nvSpPr>
+        <p:spPr>
+          <a:xfrm>
+            <a:off x="0" y="5061182"/>
+            <a:ext cx="12192000" cy="830997"/>
+          </a:xfrm>
+          <a:prstGeom prst="rect">
+            <a:avLst/>
+          </a:prstGeom>
+          <a:noFill/>
+        </p:spPr>
+        <p:txBody>
+          <a:bodyPr wrap="square" rtlCol="0">
+            <a:spAutoFit/>
+          </a:bodyPr>
+          <a:lstStyle/>
+          <a:p>
+            <a:pPr algn="ctr"/>
+            <a:r>
+              <a:rPr lang="en-US" sz="4800" b="1" dirty="0">
+                <a:solidFill>
+                  <a:srgbClr val="660033"/>
+                </a:solidFill>
+              </a:rPr>
+              <a:t>( 3 – 4 )</a:t>
+            </a:r>
+            <a:endParaRPr lang="vi-VN" sz="4800" b="1" dirty="0">
+              <a:solidFill>
+                <a:srgbClr val="660033"/>
+              </a:solidFill>
+            </a:endParaRPr>
+          </a:p>
+        </p:txBody>
+      </p:sp>
+    </p:spTree>
+    <p:extLst>
+      <p:ext uri="{BB962C8B-B14F-4D97-AF65-F5344CB8AC3E}">
+        <p14:creationId xmlns:p14="http://schemas.microsoft.com/office/powerpoint/2010/main" val="2852777177"/>
+      </p:ext>
+    </p:extLst>
+  </p:cSld>
+  <p:clrMapOvr>
+    <a:masterClrMapping/>
+  </p:clrMapOvr>
+  <p:timing>
+    <p:tnLst>
+      <p:par>
+        <p:cTn id="1" dur="indefinite" restart="never" nodeType="tmRoot"/>
+      </p:par>
+    </p:tnLst>
+  </p:timing>
+</p:sld>
+</file>
+
+<file path=ppt/slides/slide11.xml><?xml version="1.0" encoding="utf-8"?>
+<p:sld xmlns:a="http://schemas.openxmlformats.org/drawingml/2006/main" xmlns:r="http://schemas.openxmlformats.org/officeDocument/2006/relationships" xmlns:p="http://schemas.openxmlformats.org/presentationml/2006/main">
+  <p:cSld>
+    <p:spTree>
+      <p:nvGrpSpPr>
+        <p:cNvPr id="1" name=""/>
+        <p:cNvGrpSpPr/>
+        <p:nvPr/>
+      </p:nvGrpSpPr>
+      <p:grpSpPr>
+        <a:xfrm>
+          <a:off x="0" y="0"/>
+          <a:ext cx="0" cy="0"/>
+          <a:chOff x="0" y="0"/>
+          <a:chExt cx="0" cy="0"/>
+        </a:xfrm>
+      </p:grpSpPr>
+      <p:sp>
+        <p:nvSpPr>
+          <p:cNvPr id="5" name="內容版面配置區 4"/>
+          <p:cNvSpPr>
+            <a:spLocks noGrp="1"/>
+          </p:cNvSpPr>
+          <p:nvPr>
+            <p:ph idx="1"/>
+          </p:nvPr>
+        </p:nvSpPr>
+        <p:spPr>
+          <a:xfrm>
+            <a:off x="0" y="2084851"/>
+            <a:ext cx="12192000" cy="2404863"/>
+          </a:xfrm>
+        </p:spPr>
+        <p:txBody>
+          <a:bodyPr anchor="ctr">
+            <a:normAutofit/>
+          </a:bodyPr>
+          <a:lstStyle/>
+          <a:p>
+            <a:pPr algn="ctr">
+              <a:buNone/>
+            </a:pPr>
+            <a:r>
+              <a:rPr lang="zh-TW" altLang="en-US" sz="6400" b="1" dirty="0">
+                <a:solidFill>
+                  <a:srgbClr val="660033"/>
+                </a:solidFill>
+                <a:latin typeface="Microsoft JhengHei" pitchFamily="34" charset="-120"/>
+                <a:ea typeface="Microsoft JhengHei" pitchFamily="34" charset="-120"/>
+              </a:rPr>
+              <a:t>太陽無光天地遍暗</a:t>
+            </a:r>
+            <a:endParaRPr lang="en-US" altLang="zh-TW" sz="6400" b="1" dirty="0">
+              <a:solidFill>
+                <a:srgbClr val="660033"/>
+              </a:solidFill>
+              <a:latin typeface="Microsoft JhengHei" pitchFamily="34" charset="-120"/>
+              <a:ea typeface="Microsoft JhengHei" pitchFamily="34" charset="-120"/>
+            </a:endParaRPr>
+          </a:p>
+          <a:p>
+            <a:pPr algn="ctr">
+              <a:buNone/>
+            </a:pPr>
+            <a:r>
+              <a:rPr lang="zh-TW" altLang="en-US" sz="6400" b="1" dirty="0">
+                <a:solidFill>
+                  <a:srgbClr val="660033"/>
+                </a:solidFill>
+                <a:latin typeface="Microsoft JhengHei" pitchFamily="34" charset="-120"/>
+                <a:ea typeface="Microsoft JhengHei" pitchFamily="34" charset="-120"/>
+              </a:rPr>
+              <a:t>宇宙萬物服喪</a:t>
+            </a:r>
+          </a:p>
+        </p:txBody>
+      </p:sp>
+      <p:sp>
+        <p:nvSpPr>
+          <p:cNvPr id="3" name="TextBox 2"/>
+          <p:cNvSpPr txBox="1"/>
+          <p:nvPr/>
+        </p:nvSpPr>
+        <p:spPr>
+          <a:xfrm>
+            <a:off x="0" y="5061182"/>
+            <a:ext cx="12192000" cy="830997"/>
+          </a:xfrm>
+          <a:prstGeom prst="rect">
+            <a:avLst/>
+          </a:prstGeom>
+          <a:noFill/>
+        </p:spPr>
+        <p:txBody>
+          <a:bodyPr wrap="square" rtlCol="0">
+            <a:spAutoFit/>
+          </a:bodyPr>
+          <a:lstStyle/>
+          <a:p>
+            <a:pPr algn="ctr"/>
+            <a:r>
+              <a:rPr lang="en-US" sz="4800" b="1" dirty="0">
+                <a:solidFill>
+                  <a:srgbClr val="660033"/>
+                </a:solidFill>
+              </a:rPr>
+              <a:t>( 3 – 4 )</a:t>
+            </a:r>
+            <a:endParaRPr lang="vi-VN" sz="4800" b="1" dirty="0">
+              <a:solidFill>
+                <a:srgbClr val="660033"/>
+              </a:solidFill>
+            </a:endParaRPr>
+          </a:p>
+        </p:txBody>
+      </p:sp>
+    </p:spTree>
+    <p:extLst>
+      <p:ext uri="{BB962C8B-B14F-4D97-AF65-F5344CB8AC3E}">
+        <p14:creationId xmlns:p14="http://schemas.microsoft.com/office/powerpoint/2010/main" val="1676365958"/>
+      </p:ext>
+    </p:extLst>
+  </p:cSld>
+  <p:clrMapOvr>
+    <a:masterClrMapping/>
+  </p:clrMapOvr>
+  <p:timing>
+    <p:tnLst>
+      <p:par>
+        <p:cTn id="1" dur="indefinite" restart="never" nodeType="tmRoot"/>
+      </p:par>
+    </p:tnLst>
+  </p:timing>
+</p:sld>
+</file>
+
+<file path=ppt/slides/slide12.xml><?xml version="1.0" encoding="utf-8"?>
+<p:sld xmlns:a="http://schemas.openxmlformats.org/drawingml/2006/main" xmlns:r="http://schemas.openxmlformats.org/officeDocument/2006/relationships" xmlns:p="http://schemas.openxmlformats.org/presentationml/2006/main">
+  <p:cSld>
+    <p:spTree>
+      <p:nvGrpSpPr>
+        <p:cNvPr id="1" name=""/>
+        <p:cNvGrpSpPr/>
+        <p:nvPr/>
+      </p:nvGrpSpPr>
+      <p:grpSpPr>
+        <a:xfrm>
+          <a:off x="0" y="0"/>
+          <a:ext cx="0" cy="0"/>
+          <a:chOff x="0" y="0"/>
+          <a:chExt cx="0" cy="0"/>
+        </a:xfrm>
+      </p:grpSpPr>
+      <p:sp>
+        <p:nvSpPr>
+          <p:cNvPr id="5" name="內容版面配置區 4"/>
+          <p:cNvSpPr>
+            <a:spLocks noGrp="1"/>
+          </p:cNvSpPr>
+          <p:nvPr>
+            <p:ph idx="1"/>
+          </p:nvPr>
+        </p:nvSpPr>
+        <p:spPr>
+          <a:xfrm>
+            <a:off x="0" y="2084851"/>
+            <a:ext cx="12192000" cy="2404863"/>
+          </a:xfrm>
+        </p:spPr>
+        <p:txBody>
+          <a:bodyPr anchor="ctr">
+            <a:normAutofit/>
+          </a:bodyPr>
+          <a:lstStyle/>
+          <a:p>
+            <a:pPr algn="ctr">
+              <a:buNone/>
+            </a:pPr>
+            <a:r>
+              <a:rPr lang="zh-TW" altLang="en-US" sz="6400" b="1" dirty="0">
+                <a:solidFill>
+                  <a:srgbClr val="660033"/>
+                </a:solidFill>
+                <a:latin typeface="Microsoft JhengHei" pitchFamily="34" charset="-120"/>
+                <a:ea typeface="Microsoft JhengHei" pitchFamily="34" charset="-120"/>
+              </a:rPr>
+              <a:t>神聖羔寶貝血  神聖羔寶貝血</a:t>
+            </a:r>
+            <a:endParaRPr lang="en-US" altLang="zh-TW" sz="6400" b="1" dirty="0">
+              <a:solidFill>
+                <a:srgbClr val="660033"/>
+              </a:solidFill>
+              <a:latin typeface="Microsoft JhengHei" pitchFamily="34" charset="-120"/>
+              <a:ea typeface="Microsoft JhengHei" pitchFamily="34" charset="-120"/>
+            </a:endParaRPr>
+          </a:p>
+          <a:p>
+            <a:pPr algn="ctr">
+              <a:buNone/>
+            </a:pPr>
+            <a:r>
+              <a:rPr lang="zh-TW" altLang="en-US" sz="6400" b="1" dirty="0">
+                <a:solidFill>
+                  <a:srgbClr val="660033"/>
+                </a:solidFill>
+                <a:latin typeface="Microsoft JhengHei" pitchFamily="34" charset="-120"/>
+                <a:ea typeface="Microsoft JhengHei" pitchFamily="34" charset="-120"/>
+              </a:rPr>
+              <a:t>在十架處主血流</a:t>
+            </a:r>
+            <a:endParaRPr lang="en-US" altLang="zh-TW" sz="6400" b="1" dirty="0">
+              <a:solidFill>
+                <a:srgbClr val="660033"/>
+              </a:solidFill>
+              <a:latin typeface="Microsoft JhengHei" pitchFamily="34" charset="-120"/>
+              <a:ea typeface="Microsoft JhengHei" pitchFamily="34" charset="-120"/>
+            </a:endParaRPr>
+          </a:p>
+        </p:txBody>
+      </p:sp>
+    </p:spTree>
+    <p:extLst>
+      <p:ext uri="{BB962C8B-B14F-4D97-AF65-F5344CB8AC3E}">
+        <p14:creationId xmlns:p14="http://schemas.microsoft.com/office/powerpoint/2010/main" val="749018598"/>
+      </p:ext>
+    </p:extLst>
+  </p:cSld>
+  <p:clrMapOvr>
+    <a:masterClrMapping/>
+  </p:clrMapOvr>
+  <p:timing>
+    <p:tnLst>
+      <p:par>
+        <p:cTn id="1" dur="indefinite" restart="never" nodeType="tmRoot"/>
+      </p:par>
+    </p:tnLst>
+  </p:timing>
+</p:sld>
+</file>
+
+<file path=ppt/slides/slide13.xml><?xml version="1.0" encoding="utf-8"?>
+<p:sld xmlns:a="http://schemas.openxmlformats.org/drawingml/2006/main" xmlns:r="http://schemas.openxmlformats.org/officeDocument/2006/relationships" xmlns:p="http://schemas.openxmlformats.org/presentationml/2006/main">
+  <p:cSld>
+    <p:spTree>
+      <p:nvGrpSpPr>
+        <p:cNvPr id="1" name=""/>
+        <p:cNvGrpSpPr/>
+        <p:nvPr/>
+      </p:nvGrpSpPr>
+      <p:grpSpPr>
+        <a:xfrm>
+          <a:off x="0" y="0"/>
+          <a:ext cx="0" cy="0"/>
+          <a:chOff x="0" y="0"/>
+          <a:chExt cx="0" cy="0"/>
+        </a:xfrm>
+      </p:grpSpPr>
+      <p:sp>
+        <p:nvSpPr>
+          <p:cNvPr id="5" name="內容版面配置區 4"/>
+          <p:cNvSpPr>
+            <a:spLocks noGrp="1"/>
+          </p:cNvSpPr>
+          <p:nvPr>
+            <p:ph idx="1"/>
+          </p:nvPr>
+        </p:nvSpPr>
+        <p:spPr>
+          <a:xfrm>
+            <a:off x="0" y="2084851"/>
+            <a:ext cx="12192000" cy="2404863"/>
+          </a:xfrm>
+        </p:spPr>
+        <p:txBody>
+          <a:bodyPr anchor="ctr">
+            <a:normAutofit/>
+          </a:bodyPr>
+          <a:lstStyle/>
+          <a:p>
+            <a:pPr algn="ctr">
+              <a:buNone/>
+            </a:pPr>
+            <a:r>
+              <a:rPr lang="zh-TW" altLang="en-US" sz="6400" b="1" dirty="0">
+                <a:solidFill>
+                  <a:srgbClr val="660033"/>
+                </a:solidFill>
+                <a:latin typeface="Microsoft JhengHei" pitchFamily="34" charset="-120"/>
+                <a:ea typeface="Microsoft JhengHei" pitchFamily="34" charset="-120"/>
+              </a:rPr>
+              <a:t>主血救贖你  主血救贖我</a:t>
+            </a:r>
+            <a:endParaRPr lang="en-US" altLang="zh-TW" sz="6400" b="1" dirty="0">
+              <a:solidFill>
+                <a:srgbClr val="660033"/>
+              </a:solidFill>
+              <a:latin typeface="Microsoft JhengHei" pitchFamily="34" charset="-120"/>
+              <a:ea typeface="Microsoft JhengHei" pitchFamily="34" charset="-120"/>
+            </a:endParaRPr>
+          </a:p>
+          <a:p>
+            <a:pPr algn="ctr">
+              <a:buNone/>
+            </a:pPr>
+            <a:r>
+              <a:rPr lang="zh-TW" altLang="en-US" sz="6400" b="1" dirty="0">
+                <a:solidFill>
+                  <a:srgbClr val="660033"/>
+                </a:solidFill>
+                <a:latin typeface="Microsoft JhengHei" pitchFamily="34" charset="-120"/>
+                <a:ea typeface="Microsoft JhengHei" pitchFamily="34" charset="-120"/>
+              </a:rPr>
+              <a:t>救贖萬人之愆尤</a:t>
+            </a:r>
+          </a:p>
+        </p:txBody>
+      </p:sp>
+    </p:spTree>
+    <p:extLst>
+      <p:ext uri="{BB962C8B-B14F-4D97-AF65-F5344CB8AC3E}">
+        <p14:creationId xmlns:p14="http://schemas.microsoft.com/office/powerpoint/2010/main" val="1977963578"/>
+      </p:ext>
+    </p:extLst>
+  </p:cSld>
+  <p:clrMapOvr>
+    <a:masterClrMapping/>
+  </p:clrMapOvr>
+  <p:timing>
+    <p:tnLst>
+      <p:par>
+        <p:cTn id="1" dur="indefinite" restart="never" nodeType="tmRoot"/>
+      </p:par>
+    </p:tnLst>
+  </p:timing>
+</p:sld>
+</file>
+
+<file path=ppt/slides/slide14.xml><?xml version="1.0" encoding="utf-8"?>
+<p:sld xmlns:a="http://schemas.openxmlformats.org/drawingml/2006/main" xmlns:r="http://schemas.openxmlformats.org/officeDocument/2006/relationships" xmlns:p="http://schemas.openxmlformats.org/presentationml/2006/main">
+  <p:cSld>
+    <p:spTree>
+      <p:nvGrpSpPr>
+        <p:cNvPr id="1" name=""/>
+        <p:cNvGrpSpPr/>
+        <p:nvPr/>
+      </p:nvGrpSpPr>
+      <p:grpSpPr>
+        <a:xfrm>
+          <a:off x="0" y="0"/>
+          <a:ext cx="0" cy="0"/>
+          <a:chOff x="0" y="0"/>
+          <a:chExt cx="0" cy="0"/>
+        </a:xfrm>
+      </p:grpSpPr>
+      <p:sp>
+        <p:nvSpPr>
+          <p:cNvPr id="5" name="內容版面配置區 4"/>
+          <p:cNvSpPr>
+            <a:spLocks noGrp="1"/>
+          </p:cNvSpPr>
+          <p:nvPr>
+            <p:ph idx="1"/>
+          </p:nvPr>
+        </p:nvSpPr>
+        <p:spPr>
+          <a:xfrm>
+            <a:off x="0" y="2084851"/>
+            <a:ext cx="12192000" cy="2404863"/>
+          </a:xfrm>
+        </p:spPr>
+        <p:txBody>
+          <a:bodyPr anchor="ctr">
+            <a:normAutofit/>
+          </a:bodyPr>
+          <a:lstStyle/>
+          <a:p>
+            <a:pPr algn="ctr">
+              <a:buNone/>
+            </a:pPr>
+            <a:r>
+              <a:rPr lang="zh-TW" altLang="en-US" sz="6400" b="1" dirty="0">
+                <a:solidFill>
+                  <a:srgbClr val="660033"/>
+                </a:solidFill>
+                <a:latin typeface="Microsoft JhengHei" pitchFamily="34" charset="-120"/>
+                <a:ea typeface="Microsoft JhengHei" pitchFamily="34" charset="-120"/>
+              </a:rPr>
+              <a:t>鐵釘釘手鐵釘釘足</a:t>
+            </a:r>
+            <a:endParaRPr lang="en-US" altLang="zh-TW" sz="6400" b="1" dirty="0">
+              <a:solidFill>
+                <a:srgbClr val="660033"/>
+              </a:solidFill>
+              <a:latin typeface="Microsoft JhengHei" pitchFamily="34" charset="-120"/>
+              <a:ea typeface="Microsoft JhengHei" pitchFamily="34" charset="-120"/>
+            </a:endParaRPr>
+          </a:p>
+          <a:p>
+            <a:pPr algn="ctr">
+              <a:buNone/>
+            </a:pPr>
+            <a:r>
+              <a:rPr lang="zh-TW" altLang="en-US" sz="6400" b="1" dirty="0">
+                <a:solidFill>
+                  <a:srgbClr val="660033"/>
+                </a:solidFill>
+                <a:latin typeface="Microsoft JhengHei" pitchFamily="34" charset="-120"/>
+                <a:ea typeface="Microsoft JhengHei" pitchFamily="34" charset="-120"/>
+              </a:rPr>
+              <a:t>鐵槍刺穿主脅</a:t>
+            </a:r>
+            <a:endParaRPr lang="en-US" altLang="zh-TW" sz="6400" b="1" dirty="0">
+              <a:solidFill>
+                <a:srgbClr val="660033"/>
+              </a:solidFill>
+              <a:latin typeface="Microsoft JhengHei" pitchFamily="34" charset="-120"/>
+              <a:ea typeface="Microsoft JhengHei" pitchFamily="34" charset="-120"/>
+            </a:endParaRPr>
+          </a:p>
+        </p:txBody>
+      </p:sp>
+      <p:sp>
+        <p:nvSpPr>
+          <p:cNvPr id="3" name="TextBox 2"/>
+          <p:cNvSpPr txBox="1"/>
+          <p:nvPr/>
+        </p:nvSpPr>
+        <p:spPr>
+          <a:xfrm>
+            <a:off x="0" y="5061182"/>
+            <a:ext cx="12192000" cy="830997"/>
+          </a:xfrm>
+          <a:prstGeom prst="rect">
+            <a:avLst/>
+          </a:prstGeom>
+          <a:noFill/>
+        </p:spPr>
+        <p:txBody>
+          <a:bodyPr wrap="square" rtlCol="0">
+            <a:spAutoFit/>
+          </a:bodyPr>
+          <a:lstStyle/>
+          <a:p>
+            <a:pPr algn="ctr"/>
+            <a:r>
+              <a:rPr lang="en-US" sz="4800" b="1" dirty="0">
+                <a:solidFill>
+                  <a:srgbClr val="660033"/>
+                </a:solidFill>
+              </a:rPr>
+              <a:t>( 4 – 4 )</a:t>
+            </a:r>
+            <a:endParaRPr lang="vi-VN" sz="4800" b="1" dirty="0">
+              <a:solidFill>
+                <a:srgbClr val="660033"/>
+              </a:solidFill>
+            </a:endParaRPr>
+          </a:p>
+        </p:txBody>
+      </p:sp>
+    </p:spTree>
+    <p:extLst>
+      <p:ext uri="{BB962C8B-B14F-4D97-AF65-F5344CB8AC3E}">
+        <p14:creationId xmlns:p14="http://schemas.microsoft.com/office/powerpoint/2010/main" val="2661031769"/>
+      </p:ext>
+    </p:extLst>
+  </p:cSld>
+  <p:clrMapOvr>
+    <a:masterClrMapping/>
+  </p:clrMapOvr>
+  <p:timing>
+    <p:tnLst>
+      <p:par>
+        <p:cTn id="1" dur="indefinite" restart="never" nodeType="tmRoot"/>
+      </p:par>
+    </p:tnLst>
+  </p:timing>
+</p:sld>
+</file>
+
+<file path=ppt/slides/slide15.xml><?xml version="1.0" encoding="utf-8"?>
+<p:sld xmlns:a="http://schemas.openxmlformats.org/drawingml/2006/main" xmlns:r="http://schemas.openxmlformats.org/officeDocument/2006/relationships" xmlns:p="http://schemas.openxmlformats.org/presentationml/2006/main">
+  <p:cSld>
+    <p:spTree>
+      <p:nvGrpSpPr>
+        <p:cNvPr id="1" name=""/>
+        <p:cNvGrpSpPr/>
+        <p:nvPr/>
+      </p:nvGrpSpPr>
+      <p:grpSpPr>
+        <a:xfrm>
+          <a:off x="0" y="0"/>
+          <a:ext cx="0" cy="0"/>
+          <a:chOff x="0" y="0"/>
+          <a:chExt cx="0" cy="0"/>
+        </a:xfrm>
+      </p:grpSpPr>
+      <p:sp>
+        <p:nvSpPr>
+          <p:cNvPr id="5" name="內容版面配置區 4"/>
+          <p:cNvSpPr>
+            <a:spLocks noGrp="1"/>
+          </p:cNvSpPr>
+          <p:nvPr>
+            <p:ph idx="1"/>
+          </p:nvPr>
+        </p:nvSpPr>
+        <p:spPr>
+          <a:xfrm>
+            <a:off x="0" y="2084851"/>
+            <a:ext cx="12192000" cy="2404863"/>
+          </a:xfrm>
+        </p:spPr>
+        <p:txBody>
+          <a:bodyPr anchor="ctr">
+            <a:normAutofit/>
+          </a:bodyPr>
+          <a:lstStyle/>
+          <a:p>
+            <a:pPr algn="ctr">
+              <a:buNone/>
+            </a:pPr>
+            <a:r>
+              <a:rPr lang="zh-TW" altLang="en-US" sz="6400" b="1" dirty="0">
+                <a:solidFill>
+                  <a:srgbClr val="660033"/>
+                </a:solidFill>
+                <a:latin typeface="Microsoft JhengHei" pitchFamily="34" charset="-120"/>
+                <a:ea typeface="Microsoft JhengHei" pitchFamily="34" charset="-120"/>
+              </a:rPr>
+              <a:t>週身受苦</a:t>
+            </a:r>
+            <a:r>
+              <a:rPr lang="zh-TW" altLang="en-US" sz="6400" b="1" dirty="0">
+                <a:solidFill>
+                  <a:srgbClr val="660033"/>
+                </a:solidFill>
+                <a:latin typeface="Microsoft JhengHei" pitchFamily="34" charset="-120"/>
+                <a:ea typeface="Microsoft JhengHei" pitchFamily="34" charset="-120"/>
+              </a:rPr>
+              <a:t>流水與</a:t>
+            </a:r>
+            <a:r>
+              <a:rPr lang="zh-TW" altLang="en-US" sz="6400" b="1" dirty="0">
+                <a:solidFill>
+                  <a:srgbClr val="660033"/>
+                </a:solidFill>
+                <a:latin typeface="Microsoft JhengHei" pitchFamily="34" charset="-120"/>
+                <a:ea typeface="Microsoft JhengHei" pitchFamily="34" charset="-120"/>
+              </a:rPr>
+              <a:t>血</a:t>
+            </a:r>
+            <a:endParaRPr lang="en-US" altLang="zh-TW" sz="6400" b="1" dirty="0">
+              <a:solidFill>
+                <a:srgbClr val="660033"/>
+              </a:solidFill>
+              <a:latin typeface="Microsoft JhengHei" pitchFamily="34" charset="-120"/>
+              <a:ea typeface="Microsoft JhengHei" pitchFamily="34" charset="-120"/>
+            </a:endParaRPr>
+          </a:p>
+          <a:p>
+            <a:pPr algn="ctr">
+              <a:buNone/>
+            </a:pPr>
+            <a:r>
+              <a:rPr lang="zh-TW" altLang="en-US" sz="6400" b="1" dirty="0">
+                <a:solidFill>
+                  <a:srgbClr val="660033"/>
+                </a:solidFill>
+                <a:latin typeface="Microsoft JhengHei" pitchFamily="34" charset="-120"/>
+                <a:ea typeface="Microsoft JhengHei" pitchFamily="34" charset="-120"/>
+              </a:rPr>
+              <a:t>救贖萬人罪孽</a:t>
+            </a:r>
+          </a:p>
+        </p:txBody>
+      </p:sp>
+      <p:sp>
+        <p:nvSpPr>
+          <p:cNvPr id="3" name="TextBox 2"/>
+          <p:cNvSpPr txBox="1"/>
+          <p:nvPr/>
+        </p:nvSpPr>
+        <p:spPr>
+          <a:xfrm>
+            <a:off x="0" y="5061182"/>
+            <a:ext cx="12192000" cy="830997"/>
+          </a:xfrm>
+          <a:prstGeom prst="rect">
+            <a:avLst/>
+          </a:prstGeom>
+          <a:noFill/>
+        </p:spPr>
+        <p:txBody>
+          <a:bodyPr wrap="square" rtlCol="0">
+            <a:spAutoFit/>
+          </a:bodyPr>
+          <a:lstStyle/>
+          <a:p>
+            <a:pPr algn="ctr"/>
+            <a:r>
+              <a:rPr lang="en-US" sz="4800" b="1" dirty="0">
+                <a:solidFill>
+                  <a:srgbClr val="660033"/>
+                </a:solidFill>
+              </a:rPr>
+              <a:t>( 4 – 4 )</a:t>
+            </a:r>
+            <a:endParaRPr lang="vi-VN" sz="4800" b="1" dirty="0">
+              <a:solidFill>
+                <a:srgbClr val="660033"/>
+              </a:solidFill>
+            </a:endParaRPr>
+          </a:p>
+        </p:txBody>
+      </p:sp>
+    </p:spTree>
+    <p:extLst>
+      <p:ext uri="{BB962C8B-B14F-4D97-AF65-F5344CB8AC3E}">
+        <p14:creationId xmlns:p14="http://schemas.microsoft.com/office/powerpoint/2010/main" val="2289403934"/>
+      </p:ext>
+    </p:extLst>
+  </p:cSld>
+  <p:clrMapOvr>
+    <a:masterClrMapping/>
+  </p:clrMapOvr>
+  <p:timing>
+    <p:tnLst>
+      <p:par>
+        <p:cTn id="1" dur="indefinite" restart="never" nodeType="tmRoot"/>
+      </p:par>
+    </p:tnLst>
+  </p:timing>
+</p:sld>
+</file>
+
+<file path=ppt/slides/slide16.xml><?xml version="1.0" encoding="utf-8"?>
+<p:sld xmlns:a="http://schemas.openxmlformats.org/drawingml/2006/main" xmlns:r="http://schemas.openxmlformats.org/officeDocument/2006/relationships" xmlns:p="http://schemas.openxmlformats.org/presentationml/2006/main">
+  <p:cSld>
+    <p:spTree>
+      <p:nvGrpSpPr>
+        <p:cNvPr id="1" name=""/>
+        <p:cNvGrpSpPr/>
+        <p:nvPr/>
+      </p:nvGrpSpPr>
+      <p:grpSpPr>
+        <a:xfrm>
+          <a:off x="0" y="0"/>
+          <a:ext cx="0" cy="0"/>
+          <a:chOff x="0" y="0"/>
+          <a:chExt cx="0" cy="0"/>
+        </a:xfrm>
+      </p:grpSpPr>
+      <p:sp>
+        <p:nvSpPr>
+          <p:cNvPr id="5" name="內容版面配置區 4"/>
+          <p:cNvSpPr>
+            <a:spLocks noGrp="1"/>
+          </p:cNvSpPr>
+          <p:nvPr>
+            <p:ph idx="1"/>
+          </p:nvPr>
+        </p:nvSpPr>
+        <p:spPr>
+          <a:xfrm>
+            <a:off x="0" y="2084851"/>
+            <a:ext cx="12192000" cy="2404863"/>
+          </a:xfrm>
+        </p:spPr>
+        <p:txBody>
+          <a:bodyPr anchor="ctr">
+            <a:normAutofit/>
+          </a:bodyPr>
+          <a:lstStyle/>
+          <a:p>
+            <a:pPr algn="ctr">
+              <a:buNone/>
+            </a:pPr>
+            <a:r>
+              <a:rPr lang="zh-TW" altLang="en-US" sz="6400" b="1" dirty="0">
+                <a:solidFill>
+                  <a:srgbClr val="660033"/>
+                </a:solidFill>
+                <a:latin typeface="Microsoft JhengHei" pitchFamily="34" charset="-120"/>
+                <a:ea typeface="Microsoft JhengHei" pitchFamily="34" charset="-120"/>
+              </a:rPr>
+              <a:t>神聖羔寶貝血  神聖羔寶貝血</a:t>
+            </a:r>
+            <a:endParaRPr lang="en-US" altLang="zh-TW" sz="6400" b="1" dirty="0">
+              <a:solidFill>
+                <a:srgbClr val="660033"/>
+              </a:solidFill>
+              <a:latin typeface="Microsoft JhengHei" pitchFamily="34" charset="-120"/>
+              <a:ea typeface="Microsoft JhengHei" pitchFamily="34" charset="-120"/>
+            </a:endParaRPr>
+          </a:p>
+          <a:p>
+            <a:pPr algn="ctr">
+              <a:buNone/>
+            </a:pPr>
+            <a:r>
+              <a:rPr lang="zh-TW" altLang="en-US" sz="6400" b="1" dirty="0">
+                <a:solidFill>
+                  <a:srgbClr val="660033"/>
+                </a:solidFill>
+                <a:latin typeface="Microsoft JhengHei" pitchFamily="34" charset="-120"/>
+                <a:ea typeface="Microsoft JhengHei" pitchFamily="34" charset="-120"/>
+              </a:rPr>
+              <a:t>在十架處主血流</a:t>
+            </a:r>
+            <a:endParaRPr lang="en-US" altLang="zh-TW" sz="6400" b="1" dirty="0">
+              <a:solidFill>
+                <a:srgbClr val="660033"/>
+              </a:solidFill>
+              <a:latin typeface="Microsoft JhengHei" pitchFamily="34" charset="-120"/>
+              <a:ea typeface="Microsoft JhengHei" pitchFamily="34" charset="-120"/>
+            </a:endParaRPr>
+          </a:p>
+        </p:txBody>
+      </p:sp>
+    </p:spTree>
+    <p:extLst>
+      <p:ext uri="{BB962C8B-B14F-4D97-AF65-F5344CB8AC3E}">
+        <p14:creationId xmlns:p14="http://schemas.microsoft.com/office/powerpoint/2010/main" val="634625097"/>
+      </p:ext>
+    </p:extLst>
+  </p:cSld>
+  <p:clrMapOvr>
+    <a:masterClrMapping/>
+  </p:clrMapOvr>
+  <p:timing>
+    <p:tnLst>
+      <p:par>
+        <p:cTn id="1" dur="indefinite" restart="never" nodeType="tmRoot"/>
+      </p:par>
+    </p:tnLst>
+  </p:timing>
+</p:sld>
+</file>
+
+<file path=ppt/slides/slide17.xml><?xml version="1.0" encoding="utf-8"?>
+<p:sld xmlns:a="http://schemas.openxmlformats.org/drawingml/2006/main" xmlns:r="http://schemas.openxmlformats.org/officeDocument/2006/relationships" xmlns:p="http://schemas.openxmlformats.org/presentationml/2006/main">
+  <p:cSld>
+    <p:spTree>
+      <p:nvGrpSpPr>
+        <p:cNvPr id="1" name=""/>
+        <p:cNvGrpSpPr/>
+        <p:nvPr/>
+      </p:nvGrpSpPr>
+      <p:grpSpPr>
+        <a:xfrm>
+          <a:off x="0" y="0"/>
+          <a:ext cx="0" cy="0"/>
+          <a:chOff x="0" y="0"/>
+          <a:chExt cx="0" cy="0"/>
+        </a:xfrm>
+      </p:grpSpPr>
+      <p:sp>
+        <p:nvSpPr>
+          <p:cNvPr id="5" name="內容版面配置區 4"/>
+          <p:cNvSpPr>
+            <a:spLocks noGrp="1"/>
+          </p:cNvSpPr>
+          <p:nvPr>
+            <p:ph idx="1"/>
+          </p:nvPr>
+        </p:nvSpPr>
+        <p:spPr>
+          <a:xfrm>
+            <a:off x="0" y="2084851"/>
+            <a:ext cx="12192000" cy="2404863"/>
+          </a:xfrm>
+        </p:spPr>
+        <p:txBody>
+          <a:bodyPr anchor="ctr">
+            <a:normAutofit/>
+          </a:bodyPr>
+          <a:lstStyle/>
+          <a:p>
+            <a:pPr algn="ctr">
+              <a:buNone/>
+            </a:pPr>
+            <a:r>
+              <a:rPr lang="zh-TW" altLang="en-US" sz="6400" b="1" dirty="0">
+                <a:solidFill>
+                  <a:srgbClr val="660033"/>
+                </a:solidFill>
+                <a:latin typeface="Microsoft JhengHei" pitchFamily="34" charset="-120"/>
+                <a:ea typeface="Microsoft JhengHei" pitchFamily="34" charset="-120"/>
+              </a:rPr>
+              <a:t>主血救贖你  主血救贖我</a:t>
+            </a:r>
+            <a:endParaRPr lang="en-US" altLang="zh-TW" sz="6400" b="1" dirty="0">
+              <a:solidFill>
+                <a:srgbClr val="660033"/>
+              </a:solidFill>
+              <a:latin typeface="Microsoft JhengHei" pitchFamily="34" charset="-120"/>
+              <a:ea typeface="Microsoft JhengHei" pitchFamily="34" charset="-120"/>
+            </a:endParaRPr>
+          </a:p>
+          <a:p>
+            <a:pPr algn="ctr">
+              <a:buNone/>
+            </a:pPr>
+            <a:r>
+              <a:rPr lang="zh-TW" altLang="en-US" sz="6400" b="1" dirty="0">
+                <a:solidFill>
+                  <a:srgbClr val="660033"/>
+                </a:solidFill>
+                <a:latin typeface="Microsoft JhengHei" pitchFamily="34" charset="-120"/>
+                <a:ea typeface="Microsoft JhengHei" pitchFamily="34" charset="-120"/>
+              </a:rPr>
+              <a:t>救贖萬人之愆尤</a:t>
+            </a:r>
+          </a:p>
+        </p:txBody>
+      </p:sp>
+    </p:spTree>
+    <p:extLst>
+      <p:ext uri="{BB962C8B-B14F-4D97-AF65-F5344CB8AC3E}">
+        <p14:creationId xmlns:p14="http://schemas.microsoft.com/office/powerpoint/2010/main" val="2449949945"/>
+      </p:ext>
+    </p:extLst>
+  </p:cSld>
+  <p:clrMapOvr>
+    <a:masterClrMapping/>
+  </p:clrMapOvr>
+  <p:timing>
+    <p:tnLst>
+      <p:par>
+        <p:cTn id="1" dur="indefinite" restart="never" nodeType="tmRoot"/>
+      </p:par>
+    </p:tnLst>
+  </p:timing>
 </p:sld>
 </file>
 
@@ -3279,41 +4289,6 @@
       </p:grpSpPr>
       <p:sp>
         <p:nvSpPr>
-          <p:cNvPr id="4" name="標題 3"/>
-          <p:cNvSpPr>
-            <a:spLocks noGrp="1"/>
-          </p:cNvSpPr>
-          <p:nvPr>
-            <p:ph type="title"/>
-          </p:nvPr>
-        </p:nvSpPr>
-        <p:spPr/>
-        <p:txBody>
-          <a:bodyPr/>
-          <a:lstStyle/>
-          <a:p>
-            <a:r>
-              <a:rPr lang="zh-TW" altLang="en-US" b="1" dirty="0" smtClean="0">
-                <a:solidFill>
-                  <a:srgbClr val="000066"/>
-                </a:solidFill>
-                <a:latin typeface="微軟正黑體" pitchFamily="34" charset="-120"/>
-                <a:ea typeface="微軟正黑體" pitchFamily="34" charset="-120"/>
-              </a:rPr>
-              <a:t>各各他山豎十架</a:t>
-            </a:r>
-            <a:endParaRPr lang="zh-TW" altLang="en-US" dirty="0">
-              <a:solidFill>
-                <a:srgbClr val="000066"/>
-              </a:solidFill>
-              <a:latin typeface="微軟正黑體" pitchFamily="34" charset="-120"/>
-              <a:ea typeface="微軟正黑體" pitchFamily="34" charset="-120"/>
-            </a:endParaRPr>
-          </a:p>
-        </p:txBody>
-      </p:sp>
-      <p:sp>
-        <p:nvSpPr>
           <p:cNvPr id="5" name="內容版面配置區 4"/>
           <p:cNvSpPr>
             <a:spLocks noGrp="1"/>
@@ -3324,12 +4299,12 @@
         </p:nvSpPr>
         <p:spPr>
           <a:xfrm>
-            <a:off x="0" y="1600200"/>
-            <a:ext cx="9144000" cy="4525963"/>
+            <a:off x="0" y="2084851"/>
+            <a:ext cx="12192000" cy="2404863"/>
           </a:xfrm>
         </p:spPr>
         <p:txBody>
-          <a:bodyPr>
+          <a:bodyPr anchor="ctr">
             <a:normAutofit/>
           </a:bodyPr>
           <a:lstStyle/>
@@ -3338,21 +4313,61 @@
               <a:buNone/>
             </a:pPr>
             <a:r>
-              <a:rPr lang="zh-TW" altLang="en-US" sz="5400" b="1" dirty="0" smtClean="0">
-                <a:solidFill>
-                  <a:srgbClr val="000066"/>
-                </a:solidFill>
-                <a:latin typeface="微軟正黑體" pitchFamily="34" charset="-120"/>
-                <a:ea typeface="微軟正黑體" pitchFamily="34" charset="-120"/>
+              <a:rPr lang="zh-TW" altLang="en-US" sz="6400" b="1" dirty="0">
+                <a:solidFill>
+                  <a:srgbClr val="660033"/>
+                </a:solidFill>
+                <a:latin typeface="Microsoft JhengHei" pitchFamily="34" charset="-120"/>
+                <a:ea typeface="Microsoft JhengHei" pitchFamily="34" charset="-120"/>
               </a:rPr>
-              <a:t>神聖羔寶貝血  神聖羔寶貝血</a:t>
-            </a:r>
-            <a:endParaRPr lang="en-US" altLang="zh-TW" sz="5400" b="1" dirty="0" smtClean="0">
+              <a:t>在</a:t>
+            </a:r>
+            <a:r>
+              <a:rPr lang="zh-TW" altLang="en-US" sz="6400" b="1" dirty="0">
+                <a:solidFill>
+                  <a:srgbClr val="660033"/>
+                </a:solidFill>
+                <a:latin typeface="Microsoft JhengHei" pitchFamily="34" charset="-120"/>
+                <a:ea typeface="Microsoft JhengHei" pitchFamily="34" charset="-120"/>
+              </a:rPr>
+              <a:t>各各他我</a:t>
+            </a:r>
+            <a:r>
+              <a:rPr lang="zh-TW" altLang="en-US" sz="6400" b="1" dirty="0">
+                <a:solidFill>
+                  <a:srgbClr val="660033"/>
+                </a:solidFill>
+                <a:latin typeface="Microsoft JhengHei" pitchFamily="34" charset="-120"/>
+                <a:ea typeface="Microsoft JhengHei" pitchFamily="34" charset="-120"/>
+              </a:rPr>
+              <a:t>見</a:t>
+            </a:r>
+            <a:r>
+              <a:rPr lang="zh-CN" altLang="en-US" sz="6400" b="1" dirty="0">
+                <a:solidFill>
+                  <a:srgbClr val="660033"/>
+                </a:solidFill>
+                <a:latin typeface="Microsoft JhengHei" pitchFamily="34" charset="-120"/>
+                <a:ea typeface="Microsoft JhengHei" pitchFamily="34" charset="-120"/>
+              </a:rPr>
+              <a:t>木</a:t>
+            </a:r>
+            <a:r>
+              <a:rPr lang="zh-TW" altLang="en-US" sz="6400" b="1" dirty="0">
+                <a:solidFill>
+                  <a:srgbClr val="660033"/>
+                </a:solidFill>
+                <a:latin typeface="Microsoft JhengHei" pitchFamily="34" charset="-120"/>
+                <a:ea typeface="Microsoft JhengHei" pitchFamily="34" charset="-120"/>
+              </a:rPr>
+              <a:t>架</a:t>
+            </a:r>
+            <a:endParaRPr lang="en-US" altLang="zh-TW" sz="6400" b="1" dirty="0">
               <a:solidFill>
-                <a:srgbClr val="000066"/>
+                <a:srgbClr val="660033"/>
               </a:solidFill>
-              <a:latin typeface="微軟正黑體" pitchFamily="34" charset="-120"/>
-              <a:ea typeface="微軟正黑體" pitchFamily="34" charset="-120"/>
+              <a:latin typeface="Microsoft JhengHei" pitchFamily="34" charset="-120"/>
+              <a:ea typeface="Microsoft JhengHei" pitchFamily="34" charset="-120"/>
             </a:endParaRPr>
           </a:p>
           <a:p>
@@ -3360,67 +4375,81 @@
               <a:buNone/>
             </a:pPr>
             <a:r>
-              <a:rPr lang="zh-TW" altLang="en-US" sz="5400" b="1" dirty="0" smtClean="0">
-                <a:solidFill>
-                  <a:srgbClr val="000066"/>
-                </a:solidFill>
-                <a:latin typeface="微軟正黑體" pitchFamily="34" charset="-120"/>
-                <a:ea typeface="微軟正黑體" pitchFamily="34" charset="-120"/>
+              <a:rPr lang="zh-TW" altLang="en-US" sz="6400" b="1" dirty="0">
+                <a:solidFill>
+                  <a:srgbClr val="660033"/>
+                </a:solidFill>
+                <a:latin typeface="Microsoft JhengHei" pitchFamily="34" charset="-120"/>
+                <a:ea typeface="Microsoft JhengHei" pitchFamily="34" charset="-120"/>
               </a:rPr>
-              <a:t>在十架處主血流</a:t>
-            </a:r>
-            <a:endParaRPr lang="en-US" altLang="zh-TW" sz="5400" b="1" dirty="0" smtClean="0">
+              <a:t>有一位釘身死</a:t>
+            </a:r>
+            <a:endParaRPr lang="en-US" altLang="zh-TW" sz="6400" b="1" dirty="0">
               <a:solidFill>
-                <a:srgbClr val="000066"/>
+                <a:srgbClr val="660033"/>
               </a:solidFill>
-              <a:latin typeface="微軟正黑體" pitchFamily="34" charset="-120"/>
-              <a:ea typeface="微軟正黑體" pitchFamily="34" charset="-120"/>
+              <a:latin typeface="Microsoft JhengHei" pitchFamily="34" charset="-120"/>
+              <a:ea typeface="Microsoft JhengHei" pitchFamily="34" charset="-120"/>
             </a:endParaRPr>
           </a:p>
-          <a:p>
-            <a:pPr algn="ctr">
-              <a:buNone/>
-            </a:pPr>
-            <a:r>
-              <a:rPr lang="zh-TW" altLang="en-US" sz="5400" b="1" dirty="0" smtClean="0">
-                <a:solidFill>
-                  <a:srgbClr val="000066"/>
-                </a:solidFill>
-                <a:latin typeface="微軟正黑體" pitchFamily="34" charset="-120"/>
-                <a:ea typeface="微軟正黑體" pitchFamily="34" charset="-120"/>
+        </p:txBody>
+      </p:sp>
+      <p:sp>
+        <p:nvSpPr>
+          <p:cNvPr id="3" name="TextBox 2"/>
+          <p:cNvSpPr txBox="1"/>
+          <p:nvPr/>
+        </p:nvSpPr>
+        <p:spPr>
+          <a:xfrm>
+            <a:off x="0" y="5061182"/>
+            <a:ext cx="12192000" cy="830997"/>
+          </a:xfrm>
+          <a:prstGeom prst="rect">
+            <a:avLst/>
+          </a:prstGeom>
+          <a:noFill/>
+        </p:spPr>
+        <p:txBody>
+          <a:bodyPr wrap="square" rtlCol="0">
+            <a:spAutoFit/>
+          </a:bodyPr>
+          <a:lstStyle/>
+          <a:p>
+            <a:pPr algn="ctr"/>
+            <a:r>
+              <a:rPr lang="en-US" sz="4800" b="1" dirty="0">
+                <a:solidFill>
+                  <a:srgbClr val="660033"/>
+                </a:solidFill>
               </a:rPr>
-              <a:t>主血救贖你  主血救贖我</a:t>
-            </a:r>
-            <a:endParaRPr lang="en-US" altLang="zh-TW" sz="5400" b="1" dirty="0" smtClean="0">
+              <a:t>( 1 – 4 )</a:t>
+            </a:r>
+            <a:endParaRPr lang="vi-VN" sz="4800" b="1" dirty="0">
               <a:solidFill>
-                <a:srgbClr val="000066"/>
+                <a:srgbClr val="660033"/>
               </a:solidFill>
-              <a:latin typeface="微軟正黑體" pitchFamily="34" charset="-120"/>
-              <a:ea typeface="微軟正黑體" pitchFamily="34" charset="-120"/>
             </a:endParaRPr>
           </a:p>
-          <a:p>
-            <a:pPr algn="ctr">
-              <a:buNone/>
-            </a:pPr>
-            <a:r>
-              <a:rPr lang="zh-TW" altLang="en-US" sz="5400" b="1" dirty="0" smtClean="0">
-                <a:solidFill>
-                  <a:srgbClr val="000066"/>
-                </a:solidFill>
-                <a:latin typeface="微軟正黑體" pitchFamily="34" charset="-120"/>
-                <a:ea typeface="微軟正黑體" pitchFamily="34" charset="-120"/>
-              </a:rPr>
-              <a:t>救贖萬人之愆尤</a:t>
-            </a:r>
-          </a:p>
         </p:txBody>
       </p:sp>
     </p:spTree>
+    <p:extLst>
+      <p:ext uri="{BB962C8B-B14F-4D97-AF65-F5344CB8AC3E}">
+        <p14:creationId xmlns:p14="http://schemas.microsoft.com/office/powerpoint/2010/main" val="3399298742"/>
+      </p:ext>
+    </p:extLst>
   </p:cSld>
   <p:clrMapOvr>
     <a:masterClrMapping/>
   </p:clrMapOvr>
+  <p:timing>
+    <p:tnLst>
+      <p:par>
+        <p:cTn id="1" dur="indefinite" restart="never" nodeType="tmRoot"/>
+      </p:par>
+    </p:tnLst>
+  </p:timing>
 </p:sld>
 </file>
 
@@ -3443,41 +4472,6 @@
       </p:grpSpPr>
       <p:sp>
         <p:nvSpPr>
-          <p:cNvPr id="4" name="標題 3"/>
-          <p:cNvSpPr>
-            <a:spLocks noGrp="1"/>
-          </p:cNvSpPr>
-          <p:nvPr>
-            <p:ph type="title"/>
-          </p:nvPr>
-        </p:nvSpPr>
-        <p:spPr/>
-        <p:txBody>
-          <a:bodyPr/>
-          <a:lstStyle/>
-          <a:p>
-            <a:r>
-              <a:rPr lang="zh-TW" altLang="en-US" b="1" dirty="0" smtClean="0">
-                <a:solidFill>
-                  <a:srgbClr val="000066"/>
-                </a:solidFill>
-                <a:latin typeface="微軟正黑體" pitchFamily="34" charset="-120"/>
-                <a:ea typeface="微軟正黑體" pitchFamily="34" charset="-120"/>
-              </a:rPr>
-              <a:t>各各他山豎十架</a:t>
-            </a:r>
-            <a:endParaRPr lang="zh-TW" altLang="en-US" dirty="0">
-              <a:solidFill>
-                <a:srgbClr val="000066"/>
-              </a:solidFill>
-              <a:latin typeface="微軟正黑體" pitchFamily="34" charset="-120"/>
-              <a:ea typeface="微軟正黑體" pitchFamily="34" charset="-120"/>
-            </a:endParaRPr>
-          </a:p>
-        </p:txBody>
-      </p:sp>
-      <p:sp>
-        <p:nvSpPr>
           <p:cNvPr id="5" name="內容版面配置區 4"/>
           <p:cNvSpPr>
             <a:spLocks noGrp="1"/>
@@ -3486,9 +4480,14 @@
             <p:ph idx="1"/>
           </p:nvPr>
         </p:nvSpPr>
-        <p:spPr/>
-        <p:txBody>
-          <a:bodyPr>
+        <p:spPr>
+          <a:xfrm>
+            <a:off x="0" y="2084851"/>
+            <a:ext cx="12192000" cy="2404863"/>
+          </a:xfrm>
+        </p:spPr>
+        <p:txBody>
+          <a:bodyPr anchor="ctr">
             <a:normAutofit/>
           </a:bodyPr>
           <a:lstStyle/>
@@ -3497,21 +4496,21 @@
               <a:buNone/>
             </a:pPr>
             <a:r>
-              <a:rPr lang="zh-TW" altLang="en-US" sz="5400" b="1" dirty="0" smtClean="0">
-                <a:solidFill>
-                  <a:srgbClr val="000066"/>
-                </a:solidFill>
-                <a:latin typeface="微軟正黑體" pitchFamily="34" charset="-120"/>
-                <a:ea typeface="微軟正黑體" pitchFamily="34" charset="-120"/>
+              <a:rPr lang="zh-TW" altLang="en-US" sz="6400" b="1" dirty="0">
+                <a:solidFill>
+                  <a:srgbClr val="660033"/>
+                </a:solidFill>
+                <a:latin typeface="Microsoft JhengHei" pitchFamily="34" charset="-120"/>
+                <a:ea typeface="Microsoft JhengHei" pitchFamily="34" charset="-120"/>
               </a:rPr>
-              <a:t>救主耶穌在木架上</a:t>
-            </a:r>
-            <a:endParaRPr lang="en-US" altLang="zh-TW" sz="5400" b="1" dirty="0" smtClean="0">
+              <a:t>擔當萬人罪惡報應</a:t>
+            </a:r>
+            <a:endParaRPr lang="en-US" altLang="zh-TW" sz="6400" b="1" dirty="0">
               <a:solidFill>
-                <a:srgbClr val="000066"/>
+                <a:srgbClr val="660033"/>
               </a:solidFill>
-              <a:latin typeface="微軟正黑體" pitchFamily="34" charset="-120"/>
-              <a:ea typeface="微軟正黑體" pitchFamily="34" charset="-120"/>
+              <a:latin typeface="Microsoft JhengHei" pitchFamily="34" charset="-120"/>
+              <a:ea typeface="Microsoft JhengHei" pitchFamily="34" charset="-120"/>
             </a:endParaRPr>
           </a:p>
           <a:p>
@@ -3519,67 +4518,74 @@
               <a:buNone/>
             </a:pPr>
             <a:r>
-              <a:rPr lang="zh-TW" altLang="en-US" sz="5400" b="1" dirty="0" smtClean="0">
-                <a:solidFill>
-                  <a:srgbClr val="000066"/>
-                </a:solidFill>
-                <a:latin typeface="微軟正黑體" pitchFamily="34" charset="-120"/>
-                <a:ea typeface="微軟正黑體" pitchFamily="34" charset="-120"/>
+              <a:rPr lang="zh-TW" altLang="en-US" sz="6400" b="1" dirty="0">
+                <a:solidFill>
+                  <a:srgbClr val="660033"/>
+                </a:solidFill>
+                <a:latin typeface="Microsoft JhengHei" pitchFamily="34" charset="-120"/>
+                <a:ea typeface="Microsoft JhengHei" pitchFamily="34" charset="-120"/>
               </a:rPr>
-              <a:t>替我飲罪苦杯</a:t>
-            </a:r>
-            <a:endParaRPr lang="en-US" altLang="zh-TW" sz="5400" b="1" dirty="0" smtClean="0">
+              <a:t>即神獨生之子</a:t>
+            </a:r>
+          </a:p>
+        </p:txBody>
+      </p:sp>
+      <p:sp>
+        <p:nvSpPr>
+          <p:cNvPr id="3" name="TextBox 2"/>
+          <p:cNvSpPr txBox="1"/>
+          <p:nvPr/>
+        </p:nvSpPr>
+        <p:spPr>
+          <a:xfrm>
+            <a:off x="0" y="5061182"/>
+            <a:ext cx="12192000" cy="830997"/>
+          </a:xfrm>
+          <a:prstGeom prst="rect">
+            <a:avLst/>
+          </a:prstGeom>
+          <a:noFill/>
+        </p:spPr>
+        <p:txBody>
+          <a:bodyPr wrap="square" rtlCol="0">
+            <a:spAutoFit/>
+          </a:bodyPr>
+          <a:lstStyle/>
+          <a:p>
+            <a:pPr algn="ctr"/>
+            <a:r>
+              <a:rPr lang="en-US" sz="4800" b="1" dirty="0">
+                <a:solidFill>
+                  <a:srgbClr val="660033"/>
+                </a:solidFill>
+              </a:rPr>
+              <a:t>( 1 – 4 )</a:t>
+            </a:r>
+            <a:endParaRPr lang="vi-VN" sz="4800" b="1" dirty="0">
               <a:solidFill>
-                <a:srgbClr val="000066"/>
+                <a:srgbClr val="660033"/>
               </a:solidFill>
-              <a:latin typeface="微軟正黑體" pitchFamily="34" charset="-120"/>
-              <a:ea typeface="微軟正黑體" pitchFamily="34" charset="-120"/>
             </a:endParaRPr>
           </a:p>
-          <a:p>
-            <a:pPr algn="ctr">
-              <a:buNone/>
-            </a:pPr>
-            <a:r>
-              <a:rPr lang="zh-TW" altLang="en-US" sz="5400" b="1" dirty="0" smtClean="0">
-                <a:solidFill>
-                  <a:srgbClr val="000066"/>
-                </a:solidFill>
-                <a:latin typeface="微軟正黑體" pitchFamily="34" charset="-120"/>
-                <a:ea typeface="微軟正黑體" pitchFamily="34" charset="-120"/>
-              </a:rPr>
-              <a:t>主身流血手足皆傷</a:t>
-            </a:r>
-            <a:endParaRPr lang="en-US" altLang="zh-TW" sz="5400" b="1" dirty="0" smtClean="0">
-              <a:solidFill>
-                <a:srgbClr val="000066"/>
-              </a:solidFill>
-              <a:latin typeface="微軟正黑體" pitchFamily="34" charset="-120"/>
-              <a:ea typeface="微軟正黑體" pitchFamily="34" charset="-120"/>
-            </a:endParaRPr>
-          </a:p>
-          <a:p>
-            <a:pPr algn="ctr">
-              <a:buNone/>
-            </a:pPr>
-            <a:r>
-              <a:rPr lang="zh-TW" altLang="en-US" sz="5400" b="1" dirty="0" smtClean="0">
-                <a:solidFill>
-                  <a:srgbClr val="000066"/>
-                </a:solidFill>
-                <a:latin typeface="微軟正黑體" pitchFamily="34" charset="-120"/>
-                <a:ea typeface="微軟正黑體" pitchFamily="34" charset="-120"/>
-              </a:rPr>
-              <a:t>擔當萬人罪戾</a:t>
-            </a:r>
-          </a:p>
         </p:txBody>
       </p:sp>
     </p:spTree>
+    <p:extLst>
+      <p:ext uri="{BB962C8B-B14F-4D97-AF65-F5344CB8AC3E}">
+        <p14:creationId xmlns:p14="http://schemas.microsoft.com/office/powerpoint/2010/main" val="3961613212"/>
+      </p:ext>
+    </p:extLst>
   </p:cSld>
   <p:clrMapOvr>
     <a:masterClrMapping/>
   </p:clrMapOvr>
+  <p:timing>
+    <p:tnLst>
+      <p:par>
+        <p:cTn id="1" dur="indefinite" restart="never" nodeType="tmRoot"/>
+      </p:par>
+    </p:tnLst>
+  </p:timing>
 </p:sld>
 </file>
 
@@ -3602,41 +4608,6 @@
       </p:grpSpPr>
       <p:sp>
         <p:nvSpPr>
-          <p:cNvPr id="4" name="標題 3"/>
-          <p:cNvSpPr>
-            <a:spLocks noGrp="1"/>
-          </p:cNvSpPr>
-          <p:nvPr>
-            <p:ph type="title"/>
-          </p:nvPr>
-        </p:nvSpPr>
-        <p:spPr/>
-        <p:txBody>
-          <a:bodyPr/>
-          <a:lstStyle/>
-          <a:p>
-            <a:r>
-              <a:rPr lang="zh-TW" altLang="en-US" b="1" dirty="0" smtClean="0">
-                <a:solidFill>
-                  <a:srgbClr val="000066"/>
-                </a:solidFill>
-                <a:latin typeface="微軟正黑體" pitchFamily="34" charset="-120"/>
-                <a:ea typeface="微軟正黑體" pitchFamily="34" charset="-120"/>
-              </a:rPr>
-              <a:t>各各他山豎十架</a:t>
-            </a:r>
-            <a:endParaRPr lang="zh-TW" altLang="en-US" dirty="0">
-              <a:solidFill>
-                <a:srgbClr val="000066"/>
-              </a:solidFill>
-              <a:latin typeface="微軟正黑體" pitchFamily="34" charset="-120"/>
-              <a:ea typeface="微軟正黑體" pitchFamily="34" charset="-120"/>
-            </a:endParaRPr>
-          </a:p>
-        </p:txBody>
-      </p:sp>
-      <p:sp>
-        <p:nvSpPr>
           <p:cNvPr id="5" name="內容版面配置區 4"/>
           <p:cNvSpPr>
             <a:spLocks noGrp="1"/>
@@ -3647,12 +4618,12 @@
         </p:nvSpPr>
         <p:spPr>
           <a:xfrm>
-            <a:off x="0" y="1600200"/>
-            <a:ext cx="9144000" cy="4525963"/>
+            <a:off x="0" y="2084851"/>
+            <a:ext cx="12192000" cy="2404863"/>
           </a:xfrm>
         </p:spPr>
         <p:txBody>
-          <a:bodyPr>
+          <a:bodyPr anchor="ctr">
             <a:normAutofit/>
           </a:bodyPr>
           <a:lstStyle/>
@@ -3661,21 +4632,21 @@
               <a:buNone/>
             </a:pPr>
             <a:r>
-              <a:rPr lang="zh-TW" altLang="en-US" sz="5400" b="1" dirty="0" smtClean="0">
-                <a:solidFill>
-                  <a:srgbClr val="000066"/>
-                </a:solidFill>
-                <a:latin typeface="微軟正黑體" pitchFamily="34" charset="-120"/>
-                <a:ea typeface="微軟正黑體" pitchFamily="34" charset="-120"/>
+              <a:rPr lang="zh-TW" altLang="en-US" sz="6400" b="1" dirty="0">
+                <a:solidFill>
+                  <a:srgbClr val="660033"/>
+                </a:solidFill>
+                <a:latin typeface="Microsoft JhengHei" pitchFamily="34" charset="-120"/>
+                <a:ea typeface="Microsoft JhengHei" pitchFamily="34" charset="-120"/>
               </a:rPr>
               <a:t>神聖羔寶貝血  神聖羔寶貝血</a:t>
             </a:r>
-            <a:endParaRPr lang="en-US" altLang="zh-TW" sz="5400" b="1" dirty="0" smtClean="0">
+            <a:endParaRPr lang="en-US" altLang="zh-TW" sz="6400" b="1" dirty="0">
               <a:solidFill>
-                <a:srgbClr val="000066"/>
+                <a:srgbClr val="660033"/>
               </a:solidFill>
-              <a:latin typeface="微軟正黑體" pitchFamily="34" charset="-120"/>
-              <a:ea typeface="微軟正黑體" pitchFamily="34" charset="-120"/>
+              <a:latin typeface="Microsoft JhengHei" pitchFamily="34" charset="-120"/>
+              <a:ea typeface="Microsoft JhengHei" pitchFamily="34" charset="-120"/>
             </a:endParaRPr>
           </a:p>
           <a:p>
@@ -3683,67 +4654,42 @@
               <a:buNone/>
             </a:pPr>
             <a:r>
-              <a:rPr lang="zh-TW" altLang="en-US" sz="5400" b="1" dirty="0" smtClean="0">
-                <a:solidFill>
-                  <a:srgbClr val="000066"/>
-                </a:solidFill>
-                <a:latin typeface="微軟正黑體" pitchFamily="34" charset="-120"/>
-                <a:ea typeface="微軟正黑體" pitchFamily="34" charset="-120"/>
+              <a:rPr lang="zh-TW" altLang="en-US" sz="6400" b="1" dirty="0">
+                <a:solidFill>
+                  <a:srgbClr val="660033"/>
+                </a:solidFill>
+                <a:latin typeface="Microsoft JhengHei" pitchFamily="34" charset="-120"/>
+                <a:ea typeface="Microsoft JhengHei" pitchFamily="34" charset="-120"/>
               </a:rPr>
               <a:t>在十架處主血流</a:t>
             </a:r>
-            <a:endParaRPr lang="en-US" altLang="zh-TW" sz="5400" b="1" dirty="0" smtClean="0">
+            <a:endParaRPr lang="en-US" altLang="zh-TW" sz="6400" b="1" dirty="0">
               <a:solidFill>
-                <a:srgbClr val="000066"/>
+                <a:srgbClr val="660033"/>
               </a:solidFill>
-              <a:latin typeface="微軟正黑體" pitchFamily="34" charset="-120"/>
-              <a:ea typeface="微軟正黑體" pitchFamily="34" charset="-120"/>
+              <a:latin typeface="Microsoft JhengHei" pitchFamily="34" charset="-120"/>
+              <a:ea typeface="Microsoft JhengHei" pitchFamily="34" charset="-120"/>
             </a:endParaRPr>
           </a:p>
-          <a:p>
-            <a:pPr algn="ctr">
-              <a:buNone/>
-            </a:pPr>
-            <a:r>
-              <a:rPr lang="zh-TW" altLang="en-US" sz="5400" b="1" dirty="0" smtClean="0">
-                <a:solidFill>
-                  <a:srgbClr val="000066"/>
-                </a:solidFill>
-                <a:latin typeface="微軟正黑體" pitchFamily="34" charset="-120"/>
-                <a:ea typeface="微軟正黑體" pitchFamily="34" charset="-120"/>
-              </a:rPr>
-              <a:t>主血救贖你  主血救贖我</a:t>
-            </a:r>
-            <a:endParaRPr lang="en-US" altLang="zh-TW" sz="5400" b="1" dirty="0" smtClean="0">
-              <a:solidFill>
-                <a:srgbClr val="000066"/>
-              </a:solidFill>
-              <a:latin typeface="微軟正黑體" pitchFamily="34" charset="-120"/>
-              <a:ea typeface="微軟正黑體" pitchFamily="34" charset="-120"/>
-            </a:endParaRPr>
-          </a:p>
-          <a:p>
-            <a:pPr algn="ctr">
-              <a:buNone/>
-            </a:pPr>
-            <a:r>
-              <a:rPr lang="zh-TW" altLang="en-US" sz="5400" b="1" dirty="0" smtClean="0">
-                <a:solidFill>
-                  <a:srgbClr val="000066"/>
-                </a:solidFill>
-                <a:latin typeface="微軟正黑體" pitchFamily="34" charset="-120"/>
-                <a:ea typeface="微軟正黑體" pitchFamily="34" charset="-120"/>
-              </a:rPr>
-              <a:t>救贖萬人之愆尤</a:t>
-            </a:r>
-          </a:p>
         </p:txBody>
       </p:sp>
     </p:spTree>
+    <p:extLst>
+      <p:ext uri="{BB962C8B-B14F-4D97-AF65-F5344CB8AC3E}">
+        <p14:creationId xmlns:p14="http://schemas.microsoft.com/office/powerpoint/2010/main" val="2564627349"/>
+      </p:ext>
+    </p:extLst>
   </p:cSld>
   <p:clrMapOvr>
     <a:masterClrMapping/>
   </p:clrMapOvr>
+  <p:timing>
+    <p:tnLst>
+      <p:par>
+        <p:cTn id="1" dur="indefinite" restart="never" nodeType="tmRoot"/>
+      </p:par>
+    </p:tnLst>
+  </p:timing>
 </p:sld>
 </file>
 
@@ -3766,41 +4712,6 @@
       </p:grpSpPr>
       <p:sp>
         <p:nvSpPr>
-          <p:cNvPr id="4" name="標題 3"/>
-          <p:cNvSpPr>
-            <a:spLocks noGrp="1"/>
-          </p:cNvSpPr>
-          <p:nvPr>
-            <p:ph type="title"/>
-          </p:nvPr>
-        </p:nvSpPr>
-        <p:spPr/>
-        <p:txBody>
-          <a:bodyPr/>
-          <a:lstStyle/>
-          <a:p>
-            <a:r>
-              <a:rPr lang="zh-TW" altLang="en-US" b="1" dirty="0" smtClean="0">
-                <a:solidFill>
-                  <a:srgbClr val="000066"/>
-                </a:solidFill>
-                <a:latin typeface="微軟正黑體" pitchFamily="34" charset="-120"/>
-                <a:ea typeface="微軟正黑體" pitchFamily="34" charset="-120"/>
-              </a:rPr>
-              <a:t>各各他山豎十架</a:t>
-            </a:r>
-            <a:endParaRPr lang="zh-TW" altLang="en-US" dirty="0">
-              <a:solidFill>
-                <a:srgbClr val="000066"/>
-              </a:solidFill>
-              <a:latin typeface="微軟正黑體" pitchFamily="34" charset="-120"/>
-              <a:ea typeface="微軟正黑體" pitchFamily="34" charset="-120"/>
-            </a:endParaRPr>
-          </a:p>
-        </p:txBody>
-      </p:sp>
-      <p:sp>
-        <p:nvSpPr>
           <p:cNvPr id="5" name="內容版面配置區 4"/>
           <p:cNvSpPr>
             <a:spLocks noGrp="1"/>
@@ -3809,9 +4720,14 @@
             <p:ph idx="1"/>
           </p:nvPr>
         </p:nvSpPr>
-        <p:spPr/>
-        <p:txBody>
-          <a:bodyPr>
+        <p:spPr>
+          <a:xfrm>
+            <a:off x="0" y="2084851"/>
+            <a:ext cx="12192000" cy="2404863"/>
+          </a:xfrm>
+        </p:spPr>
+        <p:txBody>
+          <a:bodyPr anchor="ctr">
             <a:normAutofit/>
           </a:bodyPr>
           <a:lstStyle/>
@@ -3820,149 +4736,57 @@
               <a:buNone/>
             </a:pPr>
             <a:r>
-              <a:rPr lang="zh-TW" altLang="en-US" sz="5400" b="1" dirty="0" smtClean="0">
-                <a:solidFill>
-                  <a:srgbClr val="000066"/>
-                </a:solidFill>
-                <a:latin typeface="微軟正黑體" pitchFamily="34" charset="-120"/>
-                <a:ea typeface="微軟正黑體" pitchFamily="34" charset="-120"/>
+              <a:rPr lang="zh-TW" altLang="en-US" sz="6400" b="1" dirty="0">
+                <a:solidFill>
+                  <a:srgbClr val="660033"/>
+                </a:solidFill>
+                <a:latin typeface="Microsoft JhengHei" pitchFamily="34" charset="-120"/>
+                <a:ea typeface="Microsoft JhengHei" pitchFamily="34" charset="-120"/>
               </a:rPr>
-              <a:t>萬人罪堆積主</a:t>
-            </a:r>
-            <a:r>
-              <a:rPr lang="zh-TW" altLang="en-US" sz="5400" b="1" dirty="0" smtClean="0">
-                <a:solidFill>
-                  <a:srgbClr val="000066"/>
-                </a:solidFill>
-                <a:latin typeface="微軟正黑體" pitchFamily="34" charset="-120"/>
-                <a:ea typeface="微軟正黑體" pitchFamily="34" charset="-120"/>
+              <a:t>主血救贖你  主血救贖我</a:t>
+            </a:r>
+            <a:endParaRPr lang="en-US" altLang="zh-TW" sz="6400" b="1" dirty="0">
+              <a:solidFill>
+                <a:srgbClr val="660033"/>
+              </a:solidFill>
+              <a:latin typeface="Microsoft JhengHei" pitchFamily="34" charset="-120"/>
+              <a:ea typeface="Microsoft JhengHei" pitchFamily="34" charset="-120"/>
+            </a:endParaRPr>
+          </a:p>
+          <a:p>
+            <a:pPr algn="ctr">
+              <a:buNone/>
+            </a:pPr>
+            <a:r>
+              <a:rPr lang="zh-TW" altLang="en-US" sz="6400" b="1" dirty="0">
+                <a:solidFill>
+                  <a:srgbClr val="660033"/>
+                </a:solidFill>
+                <a:latin typeface="Microsoft JhengHei" pitchFamily="34" charset="-120"/>
+                <a:ea typeface="Microsoft JhengHei" pitchFamily="34" charset="-120"/>
               </a:rPr>
-              <a:t>身上</a:t>
-            </a:r>
-            <a:endParaRPr lang="en-US" altLang="zh-TW" sz="5400" b="1" dirty="0" smtClean="0">
-              <a:solidFill>
-                <a:srgbClr val="000066"/>
-              </a:solidFill>
-              <a:latin typeface="微軟正黑體" pitchFamily="34" charset="-120"/>
-              <a:ea typeface="微軟正黑體" pitchFamily="34" charset="-120"/>
-            </a:endParaRPr>
-          </a:p>
-          <a:p>
-            <a:pPr algn="ctr">
-              <a:buNone/>
-            </a:pPr>
-            <a:r>
-              <a:rPr lang="zh-TW" altLang="en-US" sz="5400" b="1" dirty="0" smtClean="0">
-                <a:solidFill>
-                  <a:srgbClr val="000066"/>
-                </a:solidFill>
-                <a:latin typeface="微軟正黑體" pitchFamily="34" charset="-120"/>
-                <a:ea typeface="微軟正黑體" pitchFamily="34" charset="-120"/>
-              </a:rPr>
-              <a:t>主</a:t>
-            </a:r>
-            <a:r>
-              <a:rPr lang="zh-TW" altLang="en-US" sz="5400" b="1" dirty="0" smtClean="0">
-                <a:solidFill>
-                  <a:srgbClr val="000066"/>
-                </a:solidFill>
-                <a:latin typeface="微軟正黑體" pitchFamily="34" charset="-120"/>
-                <a:ea typeface="微軟正黑體" pitchFamily="34" charset="-120"/>
-              </a:rPr>
-              <a:t>甘願代</a:t>
-            </a:r>
-            <a:r>
-              <a:rPr lang="zh-TW" altLang="en-US" sz="5400" b="1" dirty="0" smtClean="0">
-                <a:solidFill>
-                  <a:srgbClr val="000066"/>
-                </a:solidFill>
-                <a:latin typeface="微軟正黑體" pitchFamily="34" charset="-120"/>
-                <a:ea typeface="微軟正黑體" pitchFamily="34" charset="-120"/>
-              </a:rPr>
-              <a:t>擔當</a:t>
-            </a:r>
-            <a:endParaRPr lang="en-US" altLang="zh-TW" sz="5400" b="1" dirty="0" smtClean="0">
-              <a:solidFill>
-                <a:srgbClr val="000066"/>
-              </a:solidFill>
-              <a:latin typeface="微軟正黑體" pitchFamily="34" charset="-120"/>
-              <a:ea typeface="微軟正黑體" pitchFamily="34" charset="-120"/>
-            </a:endParaRPr>
-          </a:p>
-          <a:p>
-            <a:pPr algn="ctr">
-              <a:buNone/>
-            </a:pPr>
-            <a:r>
-              <a:rPr lang="zh-TW" altLang="en-US" sz="5400" b="1" dirty="0" smtClean="0">
-                <a:solidFill>
-                  <a:srgbClr val="000066"/>
-                </a:solidFill>
-                <a:latin typeface="微軟正黑體" pitchFamily="34" charset="-120"/>
-                <a:ea typeface="微軟正黑體" pitchFamily="34" charset="-120"/>
-              </a:rPr>
-              <a:t>太陽</a:t>
-            </a:r>
-            <a:r>
-              <a:rPr lang="zh-TW" altLang="en-US" sz="5400" b="1" dirty="0" smtClean="0">
-                <a:solidFill>
-                  <a:srgbClr val="000066"/>
-                </a:solidFill>
-                <a:latin typeface="微軟正黑體" pitchFamily="34" charset="-120"/>
-                <a:ea typeface="微軟正黑體" pitchFamily="34" charset="-120"/>
-              </a:rPr>
-              <a:t>無光天地遍</a:t>
-            </a:r>
-            <a:r>
-              <a:rPr lang="zh-TW" altLang="en-US" sz="5400" b="1" dirty="0" smtClean="0">
-                <a:solidFill>
-                  <a:srgbClr val="000066"/>
-                </a:solidFill>
-                <a:latin typeface="微軟正黑體" pitchFamily="34" charset="-120"/>
-                <a:ea typeface="微軟正黑體" pitchFamily="34" charset="-120"/>
-              </a:rPr>
-              <a:t>暗</a:t>
-            </a:r>
-            <a:endParaRPr lang="en-US" altLang="zh-TW" sz="5400" b="1" dirty="0" smtClean="0">
-              <a:solidFill>
-                <a:srgbClr val="000066"/>
-              </a:solidFill>
-              <a:latin typeface="微軟正黑體" pitchFamily="34" charset="-120"/>
-              <a:ea typeface="微軟正黑體" pitchFamily="34" charset="-120"/>
-            </a:endParaRPr>
-          </a:p>
-          <a:p>
-            <a:pPr algn="ctr">
-              <a:buNone/>
-            </a:pPr>
-            <a:r>
-              <a:rPr lang="zh-TW" altLang="en-US" sz="5400" b="1" dirty="0" smtClean="0">
-                <a:solidFill>
-                  <a:srgbClr val="000066"/>
-                </a:solidFill>
-                <a:latin typeface="微軟正黑體" pitchFamily="34" charset="-120"/>
-                <a:ea typeface="微軟正黑體" pitchFamily="34" charset="-120"/>
-              </a:rPr>
-              <a:t>宇宙</a:t>
-            </a:r>
-            <a:r>
-              <a:rPr lang="zh-TW" altLang="en-US" sz="5400" b="1" dirty="0" smtClean="0">
-                <a:solidFill>
-                  <a:srgbClr val="000066"/>
-                </a:solidFill>
-                <a:latin typeface="微軟正黑體" pitchFamily="34" charset="-120"/>
-                <a:ea typeface="微軟正黑體" pitchFamily="34" charset="-120"/>
-              </a:rPr>
-              <a:t>萬物服喪</a:t>
+              <a:t>救贖萬人之愆尤</a:t>
             </a:r>
           </a:p>
         </p:txBody>
       </p:sp>
     </p:spTree>
+    <p:extLst>
+      <p:ext uri="{BB962C8B-B14F-4D97-AF65-F5344CB8AC3E}">
+        <p14:creationId xmlns:p14="http://schemas.microsoft.com/office/powerpoint/2010/main" val="327389859"/>
+      </p:ext>
+    </p:extLst>
   </p:cSld>
   <p:clrMapOvr>
     <a:masterClrMapping/>
   </p:clrMapOvr>
+  <p:timing>
+    <p:tnLst>
+      <p:par>
+        <p:cTn id="1" dur="indefinite" restart="never" nodeType="tmRoot"/>
+      </p:par>
+    </p:tnLst>
+  </p:timing>
 </p:sld>
 </file>
 
@@ -3985,41 +4809,6 @@
       </p:grpSpPr>
       <p:sp>
         <p:nvSpPr>
-          <p:cNvPr id="4" name="標題 3"/>
-          <p:cNvSpPr>
-            <a:spLocks noGrp="1"/>
-          </p:cNvSpPr>
-          <p:nvPr>
-            <p:ph type="title"/>
-          </p:nvPr>
-        </p:nvSpPr>
-        <p:spPr/>
-        <p:txBody>
-          <a:bodyPr/>
-          <a:lstStyle/>
-          <a:p>
-            <a:r>
-              <a:rPr lang="zh-TW" altLang="en-US" b="1" dirty="0" smtClean="0">
-                <a:solidFill>
-                  <a:srgbClr val="000066"/>
-                </a:solidFill>
-                <a:latin typeface="微軟正黑體" pitchFamily="34" charset="-120"/>
-                <a:ea typeface="微軟正黑體" pitchFamily="34" charset="-120"/>
-              </a:rPr>
-              <a:t>各各他山豎十架</a:t>
-            </a:r>
-            <a:endParaRPr lang="zh-TW" altLang="en-US" dirty="0">
-              <a:solidFill>
-                <a:srgbClr val="000066"/>
-              </a:solidFill>
-              <a:latin typeface="微軟正黑體" pitchFamily="34" charset="-120"/>
-              <a:ea typeface="微軟正黑體" pitchFamily="34" charset="-120"/>
-            </a:endParaRPr>
-          </a:p>
-        </p:txBody>
-      </p:sp>
-      <p:sp>
-        <p:nvSpPr>
           <p:cNvPr id="5" name="內容版面配置區 4"/>
           <p:cNvSpPr>
             <a:spLocks noGrp="1"/>
@@ -4030,12 +4819,12 @@
         </p:nvSpPr>
         <p:spPr>
           <a:xfrm>
-            <a:off x="0" y="1600200"/>
-            <a:ext cx="9144000" cy="4525963"/>
+            <a:off x="0" y="2084851"/>
+            <a:ext cx="12192000" cy="2404863"/>
           </a:xfrm>
         </p:spPr>
         <p:txBody>
-          <a:bodyPr>
+          <a:bodyPr anchor="ctr">
             <a:normAutofit/>
           </a:bodyPr>
           <a:lstStyle/>
@@ -4044,21 +4833,21 @@
               <a:buNone/>
             </a:pPr>
             <a:r>
-              <a:rPr lang="zh-TW" altLang="en-US" sz="5400" b="1" dirty="0" smtClean="0">
-                <a:solidFill>
-                  <a:srgbClr val="000066"/>
-                </a:solidFill>
-                <a:latin typeface="微軟正黑體" pitchFamily="34" charset="-120"/>
-                <a:ea typeface="微軟正黑體" pitchFamily="34" charset="-120"/>
+              <a:rPr lang="zh-TW" altLang="en-US" sz="6400" b="1" dirty="0">
+                <a:solidFill>
+                  <a:srgbClr val="660033"/>
+                </a:solidFill>
+                <a:latin typeface="Microsoft JhengHei" pitchFamily="34" charset="-120"/>
+                <a:ea typeface="Microsoft JhengHei" pitchFamily="34" charset="-120"/>
               </a:rPr>
-              <a:t>神聖羔寶貝血  神聖羔寶貝血</a:t>
-            </a:r>
-            <a:endParaRPr lang="en-US" altLang="zh-TW" sz="5400" b="1" dirty="0" smtClean="0">
+              <a:t>救主耶穌在木架上</a:t>
+            </a:r>
+            <a:endParaRPr lang="en-US" altLang="zh-TW" sz="6400" b="1" dirty="0">
               <a:solidFill>
-                <a:srgbClr val="000066"/>
+                <a:srgbClr val="660033"/>
               </a:solidFill>
-              <a:latin typeface="微軟正黑體" pitchFamily="34" charset="-120"/>
-              <a:ea typeface="微軟正黑體" pitchFamily="34" charset="-120"/>
+              <a:latin typeface="Microsoft JhengHei" pitchFamily="34" charset="-120"/>
+              <a:ea typeface="Microsoft JhengHei" pitchFamily="34" charset="-120"/>
             </a:endParaRPr>
           </a:p>
           <a:p>
@@ -4066,67 +4855,81 @@
               <a:buNone/>
             </a:pPr>
             <a:r>
-              <a:rPr lang="zh-TW" altLang="en-US" sz="5400" b="1" dirty="0" smtClean="0">
-                <a:solidFill>
-                  <a:srgbClr val="000066"/>
-                </a:solidFill>
-                <a:latin typeface="微軟正黑體" pitchFamily="34" charset="-120"/>
-                <a:ea typeface="微軟正黑體" pitchFamily="34" charset="-120"/>
+              <a:rPr lang="zh-TW" altLang="en-US" sz="6400" b="1" dirty="0">
+                <a:solidFill>
+                  <a:srgbClr val="660033"/>
+                </a:solidFill>
+                <a:latin typeface="Microsoft JhengHei" pitchFamily="34" charset="-120"/>
+                <a:ea typeface="Microsoft JhengHei" pitchFamily="34" charset="-120"/>
               </a:rPr>
-              <a:t>在十架處主血流</a:t>
-            </a:r>
-            <a:endParaRPr lang="en-US" altLang="zh-TW" sz="5400" b="1" dirty="0" smtClean="0">
+              <a:t>替我飲罪苦杯</a:t>
+            </a:r>
+            <a:endParaRPr lang="en-US" altLang="zh-TW" sz="6400" b="1" dirty="0">
               <a:solidFill>
-                <a:srgbClr val="000066"/>
+                <a:srgbClr val="660033"/>
               </a:solidFill>
-              <a:latin typeface="微軟正黑體" pitchFamily="34" charset="-120"/>
-              <a:ea typeface="微軟正黑體" pitchFamily="34" charset="-120"/>
+              <a:latin typeface="Microsoft JhengHei" pitchFamily="34" charset="-120"/>
+              <a:ea typeface="Microsoft JhengHei" pitchFamily="34" charset="-120"/>
             </a:endParaRPr>
           </a:p>
-          <a:p>
-            <a:pPr algn="ctr">
-              <a:buNone/>
-            </a:pPr>
-            <a:r>
-              <a:rPr lang="zh-TW" altLang="en-US" sz="5400" b="1" dirty="0" smtClean="0">
-                <a:solidFill>
-                  <a:srgbClr val="000066"/>
-                </a:solidFill>
-                <a:latin typeface="微軟正黑體" pitchFamily="34" charset="-120"/>
-                <a:ea typeface="微軟正黑體" pitchFamily="34" charset="-120"/>
+        </p:txBody>
+      </p:sp>
+      <p:sp>
+        <p:nvSpPr>
+          <p:cNvPr id="3" name="TextBox 2"/>
+          <p:cNvSpPr txBox="1"/>
+          <p:nvPr/>
+        </p:nvSpPr>
+        <p:spPr>
+          <a:xfrm>
+            <a:off x="0" y="5061182"/>
+            <a:ext cx="12192000" cy="830997"/>
+          </a:xfrm>
+          <a:prstGeom prst="rect">
+            <a:avLst/>
+          </a:prstGeom>
+          <a:noFill/>
+        </p:spPr>
+        <p:txBody>
+          <a:bodyPr wrap="square" rtlCol="0">
+            <a:spAutoFit/>
+          </a:bodyPr>
+          <a:lstStyle/>
+          <a:p>
+            <a:pPr algn="ctr"/>
+            <a:r>
+              <a:rPr lang="en-US" sz="4800" b="1" dirty="0">
+                <a:solidFill>
+                  <a:srgbClr val="660033"/>
+                </a:solidFill>
               </a:rPr>
-              <a:t>主血救贖你  主血救贖我</a:t>
-            </a:r>
-            <a:endParaRPr lang="en-US" altLang="zh-TW" sz="5400" b="1" dirty="0" smtClean="0">
+              <a:t>( 2 – 4 )</a:t>
+            </a:r>
+            <a:endParaRPr lang="vi-VN" sz="4800" b="1" dirty="0">
               <a:solidFill>
-                <a:srgbClr val="000066"/>
+                <a:srgbClr val="660033"/>
               </a:solidFill>
-              <a:latin typeface="微軟正黑體" pitchFamily="34" charset="-120"/>
-              <a:ea typeface="微軟正黑體" pitchFamily="34" charset="-120"/>
             </a:endParaRPr>
           </a:p>
-          <a:p>
-            <a:pPr algn="ctr">
-              <a:buNone/>
-            </a:pPr>
-            <a:r>
-              <a:rPr lang="zh-TW" altLang="en-US" sz="5400" b="1" dirty="0" smtClean="0">
-                <a:solidFill>
-                  <a:srgbClr val="000066"/>
-                </a:solidFill>
-                <a:latin typeface="微軟正黑體" pitchFamily="34" charset="-120"/>
-                <a:ea typeface="微軟正黑體" pitchFamily="34" charset="-120"/>
-              </a:rPr>
-              <a:t>救贖萬人之愆尤</a:t>
-            </a:r>
-          </a:p>
         </p:txBody>
       </p:sp>
     </p:spTree>
+    <p:extLst>
+      <p:ext uri="{BB962C8B-B14F-4D97-AF65-F5344CB8AC3E}">
+        <p14:creationId xmlns:p14="http://schemas.microsoft.com/office/powerpoint/2010/main" val="496583522"/>
+      </p:ext>
+    </p:extLst>
   </p:cSld>
   <p:clrMapOvr>
     <a:masterClrMapping/>
   </p:clrMapOvr>
+  <p:timing>
+    <p:tnLst>
+      <p:par>
+        <p:cTn id="1" dur="indefinite" restart="never" nodeType="tmRoot"/>
+      </p:par>
+    </p:tnLst>
+  </p:timing>
 </p:sld>
 </file>
 
@@ -4149,41 +4952,6 @@
       </p:grpSpPr>
       <p:sp>
         <p:nvSpPr>
-          <p:cNvPr id="4" name="標題 3"/>
-          <p:cNvSpPr>
-            <a:spLocks noGrp="1"/>
-          </p:cNvSpPr>
-          <p:nvPr>
-            <p:ph type="title"/>
-          </p:nvPr>
-        </p:nvSpPr>
-        <p:spPr/>
-        <p:txBody>
-          <a:bodyPr/>
-          <a:lstStyle/>
-          <a:p>
-            <a:r>
-              <a:rPr lang="zh-TW" altLang="en-US" b="1" dirty="0" smtClean="0">
-                <a:solidFill>
-                  <a:srgbClr val="000066"/>
-                </a:solidFill>
-                <a:latin typeface="微軟正黑體" pitchFamily="34" charset="-120"/>
-                <a:ea typeface="微軟正黑體" pitchFamily="34" charset="-120"/>
-              </a:rPr>
-              <a:t>各各他山豎十架</a:t>
-            </a:r>
-            <a:endParaRPr lang="zh-TW" altLang="en-US" dirty="0">
-              <a:solidFill>
-                <a:srgbClr val="000066"/>
-              </a:solidFill>
-              <a:latin typeface="微軟正黑體" pitchFamily="34" charset="-120"/>
-              <a:ea typeface="微軟正黑體" pitchFamily="34" charset="-120"/>
-            </a:endParaRPr>
-          </a:p>
-        </p:txBody>
-      </p:sp>
-      <p:sp>
-        <p:nvSpPr>
           <p:cNvPr id="5" name="內容版面配置區 4"/>
           <p:cNvSpPr>
             <a:spLocks noGrp="1"/>
@@ -4192,9 +4960,14 @@
             <p:ph idx="1"/>
           </p:nvPr>
         </p:nvSpPr>
-        <p:spPr/>
-        <p:txBody>
-          <a:bodyPr>
+        <p:spPr>
+          <a:xfrm>
+            <a:off x="0" y="2084851"/>
+            <a:ext cx="12192000" cy="2404863"/>
+          </a:xfrm>
+        </p:spPr>
+        <p:txBody>
+          <a:bodyPr anchor="ctr">
             <a:normAutofit/>
           </a:bodyPr>
           <a:lstStyle/>
@@ -4203,149 +4976,96 @@
               <a:buNone/>
             </a:pPr>
             <a:r>
-              <a:rPr lang="zh-TW" altLang="en-US" sz="5400" b="1" dirty="0" smtClean="0">
-                <a:solidFill>
-                  <a:srgbClr val="000066"/>
-                </a:solidFill>
-                <a:latin typeface="微軟正黑體" pitchFamily="34" charset="-120"/>
-                <a:ea typeface="微軟正黑體" pitchFamily="34" charset="-120"/>
+              <a:rPr lang="zh-TW" altLang="en-US" sz="6400" b="1" dirty="0">
+                <a:solidFill>
+                  <a:srgbClr val="660033"/>
+                </a:solidFill>
+                <a:latin typeface="Microsoft JhengHei" pitchFamily="34" charset="-120"/>
+                <a:ea typeface="Microsoft JhengHei" pitchFamily="34" charset="-120"/>
               </a:rPr>
-              <a:t>鐵釘釘手鐵釘釘</a:t>
-            </a:r>
-            <a:r>
-              <a:rPr lang="zh-TW" altLang="en-US" sz="5400" b="1" dirty="0" smtClean="0">
-                <a:solidFill>
-                  <a:srgbClr val="000066"/>
-                </a:solidFill>
-                <a:latin typeface="微軟正黑體" pitchFamily="34" charset="-120"/>
-                <a:ea typeface="微軟正黑體" pitchFamily="34" charset="-120"/>
+              <a:t>主身流血手足皆傷</a:t>
+            </a:r>
+            <a:endParaRPr lang="en-US" altLang="zh-TW" sz="6400" b="1" dirty="0">
+              <a:solidFill>
+                <a:srgbClr val="660033"/>
+              </a:solidFill>
+              <a:latin typeface="Microsoft JhengHei" pitchFamily="34" charset="-120"/>
+              <a:ea typeface="Microsoft JhengHei" pitchFamily="34" charset="-120"/>
+            </a:endParaRPr>
+          </a:p>
+          <a:p>
+            <a:pPr algn="ctr">
+              <a:buNone/>
+            </a:pPr>
+            <a:r>
+              <a:rPr lang="zh-TW" altLang="en-US" sz="6400" b="1" dirty="0">
+                <a:solidFill>
+                  <a:srgbClr val="660033"/>
+                </a:solidFill>
+                <a:latin typeface="Microsoft JhengHei" pitchFamily="34" charset="-120"/>
+                <a:ea typeface="Microsoft JhengHei" pitchFamily="34" charset="-120"/>
               </a:rPr>
-              <a:t>足</a:t>
-            </a:r>
-            <a:endParaRPr lang="en-US" altLang="zh-TW" sz="5400" b="1" dirty="0" smtClean="0">
+              <a:t>擔當萬人罪戾</a:t>
+            </a:r>
+          </a:p>
+        </p:txBody>
+      </p:sp>
+      <p:sp>
+        <p:nvSpPr>
+          <p:cNvPr id="3" name="TextBox 2"/>
+          <p:cNvSpPr txBox="1"/>
+          <p:nvPr/>
+        </p:nvSpPr>
+        <p:spPr>
+          <a:xfrm>
+            <a:off x="0" y="5061182"/>
+            <a:ext cx="12192000" cy="830997"/>
+          </a:xfrm>
+          <a:prstGeom prst="rect">
+            <a:avLst/>
+          </a:prstGeom>
+          <a:noFill/>
+        </p:spPr>
+        <p:txBody>
+          <a:bodyPr wrap="square" rtlCol="0">
+            <a:spAutoFit/>
+          </a:bodyPr>
+          <a:lstStyle/>
+          <a:p>
+            <a:pPr algn="ctr"/>
+            <a:r>
+              <a:rPr lang="en-US" sz="4800" b="1" dirty="0">
+                <a:solidFill>
+                  <a:srgbClr val="660033"/>
+                </a:solidFill>
+              </a:rPr>
+              <a:t>( 2 – 4 )</a:t>
+            </a:r>
+            <a:endParaRPr lang="vi-VN" sz="4800" b="1" dirty="0">
               <a:solidFill>
-                <a:srgbClr val="000066"/>
+                <a:srgbClr val="660033"/>
               </a:solidFill>
-              <a:latin typeface="微軟正黑體" pitchFamily="34" charset="-120"/>
-              <a:ea typeface="微軟正黑體" pitchFamily="34" charset="-120"/>
             </a:endParaRPr>
           </a:p>
-          <a:p>
-            <a:pPr algn="ctr">
-              <a:buNone/>
-            </a:pPr>
-            <a:r>
-              <a:rPr lang="zh-TW" altLang="en-US" sz="5400" b="1" dirty="0" smtClean="0">
-                <a:solidFill>
-                  <a:srgbClr val="000066"/>
-                </a:solidFill>
-                <a:latin typeface="微軟正黑體" pitchFamily="34" charset="-120"/>
-                <a:ea typeface="微軟正黑體" pitchFamily="34" charset="-120"/>
-              </a:rPr>
-              <a:t>鐵</a:t>
-            </a:r>
-            <a:r>
-              <a:rPr lang="zh-TW" altLang="en-US" sz="5400" b="1" dirty="0" smtClean="0">
-                <a:solidFill>
-                  <a:srgbClr val="000066"/>
-                </a:solidFill>
-                <a:latin typeface="微軟正黑體" pitchFamily="34" charset="-120"/>
-                <a:ea typeface="微軟正黑體" pitchFamily="34" charset="-120"/>
-              </a:rPr>
-              <a:t>槍刺穿主</a:t>
-            </a:r>
-            <a:r>
-              <a:rPr lang="zh-TW" altLang="en-US" sz="5400" b="1" dirty="0" smtClean="0">
-                <a:solidFill>
-                  <a:srgbClr val="000066"/>
-                </a:solidFill>
-                <a:latin typeface="微軟正黑體" pitchFamily="34" charset="-120"/>
-                <a:ea typeface="微軟正黑體" pitchFamily="34" charset="-120"/>
-              </a:rPr>
-              <a:t>脅</a:t>
-            </a:r>
-            <a:endParaRPr lang="en-US" altLang="zh-TW" sz="5400" b="1" dirty="0" smtClean="0">
-              <a:solidFill>
-                <a:srgbClr val="000066"/>
-              </a:solidFill>
-              <a:latin typeface="微軟正黑體" pitchFamily="34" charset="-120"/>
-              <a:ea typeface="微軟正黑體" pitchFamily="34" charset="-120"/>
-            </a:endParaRPr>
-          </a:p>
-          <a:p>
-            <a:pPr algn="ctr">
-              <a:buNone/>
-            </a:pPr>
-            <a:r>
-              <a:rPr lang="zh-TW" altLang="en-US" sz="5400" b="1" dirty="0" smtClean="0">
-                <a:solidFill>
-                  <a:srgbClr val="000066"/>
-                </a:solidFill>
-                <a:latin typeface="微軟正黑體" pitchFamily="34" charset="-120"/>
-                <a:ea typeface="微軟正黑體" pitchFamily="34" charset="-120"/>
-              </a:rPr>
-              <a:t>週</a:t>
-            </a:r>
-            <a:r>
-              <a:rPr lang="zh-TW" altLang="en-US" sz="5400" b="1" dirty="0" smtClean="0">
-                <a:solidFill>
-                  <a:srgbClr val="000066"/>
-                </a:solidFill>
-                <a:latin typeface="微軟正黑體" pitchFamily="34" charset="-120"/>
-                <a:ea typeface="微軟正黑體" pitchFamily="34" charset="-120"/>
-              </a:rPr>
-              <a:t>身受苦流血與</a:t>
-            </a:r>
-            <a:r>
-              <a:rPr lang="zh-TW" altLang="en-US" sz="5400" b="1" dirty="0" smtClean="0">
-                <a:solidFill>
-                  <a:srgbClr val="000066"/>
-                </a:solidFill>
-                <a:latin typeface="微軟正黑體" pitchFamily="34" charset="-120"/>
-                <a:ea typeface="微軟正黑體" pitchFamily="34" charset="-120"/>
-              </a:rPr>
-              <a:t>水</a:t>
-            </a:r>
-            <a:endParaRPr lang="en-US" altLang="zh-TW" sz="5400" b="1" dirty="0" smtClean="0">
-              <a:solidFill>
-                <a:srgbClr val="000066"/>
-              </a:solidFill>
-              <a:latin typeface="微軟正黑體" pitchFamily="34" charset="-120"/>
-              <a:ea typeface="微軟正黑體" pitchFamily="34" charset="-120"/>
-            </a:endParaRPr>
-          </a:p>
-          <a:p>
-            <a:pPr algn="ctr">
-              <a:buNone/>
-            </a:pPr>
-            <a:r>
-              <a:rPr lang="zh-TW" altLang="en-US" sz="5400" b="1" dirty="0" smtClean="0">
-                <a:solidFill>
-                  <a:srgbClr val="000066"/>
-                </a:solidFill>
-                <a:latin typeface="微軟正黑體" pitchFamily="34" charset="-120"/>
-                <a:ea typeface="微軟正黑體" pitchFamily="34" charset="-120"/>
-              </a:rPr>
-              <a:t>救</a:t>
-            </a:r>
-            <a:r>
-              <a:rPr lang="zh-TW" altLang="en-US" sz="5400" b="1" dirty="0" smtClean="0">
-                <a:solidFill>
-                  <a:srgbClr val="000066"/>
-                </a:solidFill>
-                <a:latin typeface="微軟正黑體" pitchFamily="34" charset="-120"/>
-                <a:ea typeface="微軟正黑體" pitchFamily="34" charset="-120"/>
-              </a:rPr>
-              <a:t>贖萬人罪孽</a:t>
-            </a:r>
-          </a:p>
         </p:txBody>
       </p:sp>
     </p:spTree>
+    <p:extLst>
+      <p:ext uri="{BB962C8B-B14F-4D97-AF65-F5344CB8AC3E}">
+        <p14:creationId xmlns:p14="http://schemas.microsoft.com/office/powerpoint/2010/main" val="1706508517"/>
+      </p:ext>
+    </p:extLst>
   </p:cSld>
   <p:clrMapOvr>
     <a:masterClrMapping/>
   </p:clrMapOvr>
+  <p:timing>
+    <p:tnLst>
+      <p:par>
+        <p:cTn id="1" dur="indefinite" restart="never" nodeType="tmRoot"/>
+      </p:par>
+    </p:tnLst>
+  </p:timing>
 </p:sld>
 </file>
 
@@ -4368,41 +5088,6 @@
       </p:grpSpPr>
       <p:sp>
         <p:nvSpPr>
-          <p:cNvPr id="4" name="標題 3"/>
-          <p:cNvSpPr>
-            <a:spLocks noGrp="1"/>
-          </p:cNvSpPr>
-          <p:nvPr>
-            <p:ph type="title"/>
-          </p:nvPr>
-        </p:nvSpPr>
-        <p:spPr/>
-        <p:txBody>
-          <a:bodyPr/>
-          <a:lstStyle/>
-          <a:p>
-            <a:r>
-              <a:rPr lang="zh-TW" altLang="en-US" b="1" dirty="0" smtClean="0">
-                <a:solidFill>
-                  <a:srgbClr val="000066"/>
-                </a:solidFill>
-                <a:latin typeface="微軟正黑體" pitchFamily="34" charset="-120"/>
-                <a:ea typeface="微軟正黑體" pitchFamily="34" charset="-120"/>
-              </a:rPr>
-              <a:t>各各他山豎十架</a:t>
-            </a:r>
-            <a:endParaRPr lang="zh-TW" altLang="en-US" dirty="0">
-              <a:solidFill>
-                <a:srgbClr val="000066"/>
-              </a:solidFill>
-              <a:latin typeface="微軟正黑體" pitchFamily="34" charset="-120"/>
-              <a:ea typeface="微軟正黑體" pitchFamily="34" charset="-120"/>
-            </a:endParaRPr>
-          </a:p>
-        </p:txBody>
-      </p:sp>
-      <p:sp>
-        <p:nvSpPr>
           <p:cNvPr id="5" name="內容版面配置區 4"/>
           <p:cNvSpPr>
             <a:spLocks noGrp="1"/>
@@ -4413,12 +5098,12 @@
         </p:nvSpPr>
         <p:spPr>
           <a:xfrm>
-            <a:off x="0" y="1600200"/>
-            <a:ext cx="9144000" cy="4525963"/>
+            <a:off x="0" y="2084851"/>
+            <a:ext cx="12192000" cy="2404863"/>
           </a:xfrm>
         </p:spPr>
         <p:txBody>
-          <a:bodyPr>
+          <a:bodyPr anchor="ctr">
             <a:normAutofit/>
           </a:bodyPr>
           <a:lstStyle/>
@@ -4427,21 +5112,21 @@
               <a:buNone/>
             </a:pPr>
             <a:r>
-              <a:rPr lang="zh-TW" altLang="en-US" sz="5400" b="1" dirty="0" smtClean="0">
-                <a:solidFill>
-                  <a:srgbClr val="000066"/>
-                </a:solidFill>
-                <a:latin typeface="微軟正黑體" pitchFamily="34" charset="-120"/>
-                <a:ea typeface="微軟正黑體" pitchFamily="34" charset="-120"/>
+              <a:rPr lang="zh-TW" altLang="en-US" sz="6400" b="1" dirty="0">
+                <a:solidFill>
+                  <a:srgbClr val="660033"/>
+                </a:solidFill>
+                <a:latin typeface="Microsoft JhengHei" pitchFamily="34" charset="-120"/>
+                <a:ea typeface="Microsoft JhengHei" pitchFamily="34" charset="-120"/>
               </a:rPr>
               <a:t>神聖羔寶貝血  神聖羔寶貝血</a:t>
             </a:r>
-            <a:endParaRPr lang="en-US" altLang="zh-TW" sz="5400" b="1" dirty="0" smtClean="0">
+            <a:endParaRPr lang="en-US" altLang="zh-TW" sz="6400" b="1" dirty="0">
               <a:solidFill>
-                <a:srgbClr val="000066"/>
+                <a:srgbClr val="660033"/>
               </a:solidFill>
-              <a:latin typeface="微軟正黑體" pitchFamily="34" charset="-120"/>
-              <a:ea typeface="微軟正黑體" pitchFamily="34" charset="-120"/>
+              <a:latin typeface="Microsoft JhengHei" pitchFamily="34" charset="-120"/>
+              <a:ea typeface="Microsoft JhengHei" pitchFamily="34" charset="-120"/>
             </a:endParaRPr>
           </a:p>
           <a:p>
@@ -4449,67 +5134,139 @@
               <a:buNone/>
             </a:pPr>
             <a:r>
-              <a:rPr lang="zh-TW" altLang="en-US" sz="5400" b="1" dirty="0" smtClean="0">
-                <a:solidFill>
-                  <a:srgbClr val="000066"/>
-                </a:solidFill>
-                <a:latin typeface="微軟正黑體" pitchFamily="34" charset="-120"/>
-                <a:ea typeface="微軟正黑體" pitchFamily="34" charset="-120"/>
+              <a:rPr lang="zh-TW" altLang="en-US" sz="6400" b="1" dirty="0">
+                <a:solidFill>
+                  <a:srgbClr val="660033"/>
+                </a:solidFill>
+                <a:latin typeface="Microsoft JhengHei" pitchFamily="34" charset="-120"/>
+                <a:ea typeface="Microsoft JhengHei" pitchFamily="34" charset="-120"/>
               </a:rPr>
               <a:t>在十架處主血流</a:t>
             </a:r>
-            <a:endParaRPr lang="en-US" altLang="zh-TW" sz="5400" b="1" dirty="0" smtClean="0">
+            <a:endParaRPr lang="en-US" altLang="zh-TW" sz="6400" b="1" dirty="0">
               <a:solidFill>
-                <a:srgbClr val="000066"/>
+                <a:srgbClr val="660033"/>
               </a:solidFill>
-              <a:latin typeface="微軟正黑體" pitchFamily="34" charset="-120"/>
-              <a:ea typeface="微軟正黑體" pitchFamily="34" charset="-120"/>
+              <a:latin typeface="Microsoft JhengHei" pitchFamily="34" charset="-120"/>
+              <a:ea typeface="Microsoft JhengHei" pitchFamily="34" charset="-120"/>
             </a:endParaRPr>
           </a:p>
-          <a:p>
-            <a:pPr algn="ctr">
-              <a:buNone/>
-            </a:pPr>
-            <a:r>
-              <a:rPr lang="zh-TW" altLang="en-US" sz="5400" b="1" dirty="0" smtClean="0">
-                <a:solidFill>
-                  <a:srgbClr val="000066"/>
-                </a:solidFill>
-                <a:latin typeface="微軟正黑體" pitchFamily="34" charset="-120"/>
-                <a:ea typeface="微軟正黑體" pitchFamily="34" charset="-120"/>
-              </a:rPr>
-              <a:t>主血救贖你  主血救贖我</a:t>
-            </a:r>
-            <a:endParaRPr lang="en-US" altLang="zh-TW" sz="5400" b="1" dirty="0" smtClean="0">
-              <a:solidFill>
-                <a:srgbClr val="000066"/>
-              </a:solidFill>
-              <a:latin typeface="微軟正黑體" pitchFamily="34" charset="-120"/>
-              <a:ea typeface="微軟正黑體" pitchFamily="34" charset="-120"/>
-            </a:endParaRPr>
-          </a:p>
-          <a:p>
-            <a:pPr algn="ctr">
-              <a:buNone/>
-            </a:pPr>
-            <a:r>
-              <a:rPr lang="zh-TW" altLang="en-US" sz="5400" b="1" dirty="0" smtClean="0">
-                <a:solidFill>
-                  <a:srgbClr val="000066"/>
-                </a:solidFill>
-                <a:latin typeface="微軟正黑體" pitchFamily="34" charset="-120"/>
-                <a:ea typeface="微軟正黑體" pitchFamily="34" charset="-120"/>
-              </a:rPr>
-              <a:t>救贖萬人之愆尤</a:t>
-            </a:r>
-          </a:p>
         </p:txBody>
       </p:sp>
     </p:spTree>
+    <p:extLst>
+      <p:ext uri="{BB962C8B-B14F-4D97-AF65-F5344CB8AC3E}">
+        <p14:creationId xmlns:p14="http://schemas.microsoft.com/office/powerpoint/2010/main" val="168455085"/>
+      </p:ext>
+    </p:extLst>
   </p:cSld>
   <p:clrMapOvr>
     <a:masterClrMapping/>
   </p:clrMapOvr>
+  <p:timing>
+    <p:tnLst>
+      <p:par>
+        <p:cTn id="1" dur="indefinite" restart="never" nodeType="tmRoot"/>
+      </p:par>
+    </p:tnLst>
+  </p:timing>
+</p:sld>
+</file>
+
+<file path=ppt/slides/slide9.xml><?xml version="1.0" encoding="utf-8"?>
+<p:sld xmlns:a="http://schemas.openxmlformats.org/drawingml/2006/main" xmlns:r="http://schemas.openxmlformats.org/officeDocument/2006/relationships" xmlns:p="http://schemas.openxmlformats.org/presentationml/2006/main">
+  <p:cSld>
+    <p:spTree>
+      <p:nvGrpSpPr>
+        <p:cNvPr id="1" name=""/>
+        <p:cNvGrpSpPr/>
+        <p:nvPr/>
+      </p:nvGrpSpPr>
+      <p:grpSpPr>
+        <a:xfrm>
+          <a:off x="0" y="0"/>
+          <a:ext cx="0" cy="0"/>
+          <a:chOff x="0" y="0"/>
+          <a:chExt cx="0" cy="0"/>
+        </a:xfrm>
+      </p:grpSpPr>
+      <p:sp>
+        <p:nvSpPr>
+          <p:cNvPr id="5" name="內容版面配置區 4"/>
+          <p:cNvSpPr>
+            <a:spLocks noGrp="1"/>
+          </p:cNvSpPr>
+          <p:nvPr>
+            <p:ph idx="1"/>
+          </p:nvPr>
+        </p:nvSpPr>
+        <p:spPr>
+          <a:xfrm>
+            <a:off x="0" y="2084851"/>
+            <a:ext cx="12192000" cy="2404863"/>
+          </a:xfrm>
+        </p:spPr>
+        <p:txBody>
+          <a:bodyPr anchor="ctr">
+            <a:normAutofit/>
+          </a:bodyPr>
+          <a:lstStyle/>
+          <a:p>
+            <a:pPr algn="ctr">
+              <a:buNone/>
+            </a:pPr>
+            <a:r>
+              <a:rPr lang="zh-TW" altLang="en-US" sz="6400" b="1" dirty="0">
+                <a:solidFill>
+                  <a:srgbClr val="660033"/>
+                </a:solidFill>
+                <a:latin typeface="Microsoft JhengHei" pitchFamily="34" charset="-120"/>
+                <a:ea typeface="Microsoft JhengHei" pitchFamily="34" charset="-120"/>
+              </a:rPr>
+              <a:t>主血救贖你  主血救贖我</a:t>
+            </a:r>
+            <a:endParaRPr lang="en-US" altLang="zh-TW" sz="6400" b="1" dirty="0">
+              <a:solidFill>
+                <a:srgbClr val="660033"/>
+              </a:solidFill>
+              <a:latin typeface="Microsoft JhengHei" pitchFamily="34" charset="-120"/>
+              <a:ea typeface="Microsoft JhengHei" pitchFamily="34" charset="-120"/>
+            </a:endParaRPr>
+          </a:p>
+          <a:p>
+            <a:pPr algn="ctr">
+              <a:buNone/>
+            </a:pPr>
+            <a:r>
+              <a:rPr lang="zh-TW" altLang="en-US" sz="6400" b="1" dirty="0">
+                <a:solidFill>
+                  <a:srgbClr val="660033"/>
+                </a:solidFill>
+                <a:latin typeface="Microsoft JhengHei" pitchFamily="34" charset="-120"/>
+                <a:ea typeface="Microsoft JhengHei" pitchFamily="34" charset="-120"/>
+              </a:rPr>
+              <a:t>救贖萬人之愆尤</a:t>
+            </a:r>
+          </a:p>
+        </p:txBody>
+      </p:sp>
+    </p:spTree>
+    <p:extLst>
+      <p:ext uri="{BB962C8B-B14F-4D97-AF65-F5344CB8AC3E}">
+        <p14:creationId xmlns:p14="http://schemas.microsoft.com/office/powerpoint/2010/main" val="1944925339"/>
+      </p:ext>
+    </p:extLst>
+  </p:cSld>
+  <p:clrMapOvr>
+    <a:masterClrMapping/>
+  </p:clrMapOvr>
+  <p:timing>
+    <p:tnLst>
+      <p:par>
+        <p:cTn id="1" dur="indefinite" restart="never" nodeType="tmRoot"/>
+      </p:par>
+    </p:tnLst>
+  </p:timing>
 </p:sld>
 </file>
 
